--- a/Thứ 3.pptx
+++ b/Thứ 3.pptx
@@ -5,7 +5,7 @@
     <p:sldMasterId id="2147483660" r:id="rId1"/>
   </p:sldMasterIdLst>
   <p:notesMasterIdLst>
-    <p:notesMasterId r:id="rId37"/>
+    <p:notesMasterId r:id="rId49"/>
   </p:notesMasterIdLst>
   <p:sldIdLst>
     <p:sldId id="4112" r:id="rId2"/>
@@ -40,9 +40,21 @@
     <p:sldId id="4777" r:id="rId31"/>
     <p:sldId id="4780" r:id="rId32"/>
     <p:sldId id="4781" r:id="rId33"/>
-    <p:sldId id="4782" r:id="rId34"/>
-    <p:sldId id="4783" r:id="rId35"/>
-    <p:sldId id="4784" r:id="rId36"/>
+    <p:sldId id="4785" r:id="rId34"/>
+    <p:sldId id="4786" r:id="rId35"/>
+    <p:sldId id="4787" r:id="rId36"/>
+    <p:sldId id="4788" r:id="rId37"/>
+    <p:sldId id="4789" r:id="rId38"/>
+    <p:sldId id="4790" r:id="rId39"/>
+    <p:sldId id="4791" r:id="rId40"/>
+    <p:sldId id="4792" r:id="rId41"/>
+    <p:sldId id="4793" r:id="rId42"/>
+    <p:sldId id="4794" r:id="rId43"/>
+    <p:sldId id="4795" r:id="rId44"/>
+    <p:sldId id="4796" r:id="rId45"/>
+    <p:sldId id="4782" r:id="rId46"/>
+    <p:sldId id="4783" r:id="rId47"/>
+    <p:sldId id="4784" r:id="rId48"/>
   </p:sldIdLst>
   <p:sldSz cx="9144000" cy="6858000" type="screen4x3"/>
   <p:notesSz cx="6858000" cy="9144000"/>
@@ -143,7 +155,7 @@
   </p:defaultTextStyle>
   <p:extLst>
     <p:ext uri="{EFAFB233-063F-42B5-8137-9DF3F51BA10A}">
-      <p15:sldGuideLst xmlns:p15="http://schemas.microsoft.com/office/powerpoint/2012/main">
+      <p15:sldGuideLst xmlns="" xmlns:p15="http://schemas.microsoft.com/office/powerpoint/2012/main">
         <p15:guide id="1" orient="horz" pos="2160">
           <p15:clr>
             <a:srgbClr val="A4A3A4"/>
@@ -243,7 +255,7 @@
             <a:fld id="{5C25985F-86E8-4AA6-9352-571FAE95264D}" type="datetimeFigureOut">
               <a:rPr lang="vi-VN" smtClean="0"/>
               <a:pPr/>
-              <a:t>07/12/2020</a:t>
+              <a:t>08/12/2020</a:t>
             </a:fld>
             <a:endParaRPr lang="vi-VN"/>
           </a:p>
@@ -644,7 +656,7 @@
             <a:fld id="{0569F2D7-2394-463B-99AA-3447397976B2}" type="datetimeFigureOut">
               <a:rPr lang="vi-VN" smtClean="0"/>
               <a:pPr/>
-              <a:t>07/12/2020</a:t>
+              <a:t>08/12/2020</a:t>
             </a:fld>
             <a:endParaRPr lang="vi-VN"/>
           </a:p>
@@ -816,7 +828,7 @@
             <a:fld id="{0569F2D7-2394-463B-99AA-3447397976B2}" type="datetimeFigureOut">
               <a:rPr lang="vi-VN" smtClean="0"/>
               <a:pPr/>
-              <a:t>07/12/2020</a:t>
+              <a:t>08/12/2020</a:t>
             </a:fld>
             <a:endParaRPr lang="vi-VN"/>
           </a:p>
@@ -998,7 +1010,7 @@
             <a:fld id="{0569F2D7-2394-463B-99AA-3447397976B2}" type="datetimeFigureOut">
               <a:rPr lang="vi-VN" smtClean="0"/>
               <a:pPr/>
-              <a:t>07/12/2020</a:t>
+              <a:t>08/12/2020</a:t>
             </a:fld>
             <a:endParaRPr lang="vi-VN"/>
           </a:p>
@@ -1170,7 +1182,7 @@
             <a:fld id="{0569F2D7-2394-463B-99AA-3447397976B2}" type="datetimeFigureOut">
               <a:rPr lang="vi-VN" smtClean="0"/>
               <a:pPr/>
-              <a:t>07/12/2020</a:t>
+              <a:t>08/12/2020</a:t>
             </a:fld>
             <a:endParaRPr lang="vi-VN"/>
           </a:p>
@@ -1416,7 +1428,7 @@
             <a:fld id="{0569F2D7-2394-463B-99AA-3447397976B2}" type="datetimeFigureOut">
               <a:rPr lang="vi-VN" smtClean="0"/>
               <a:pPr/>
-              <a:t>07/12/2020</a:t>
+              <a:t>08/12/2020</a:t>
             </a:fld>
             <a:endParaRPr lang="vi-VN"/>
           </a:p>
@@ -1650,7 +1662,7 @@
             <a:fld id="{0569F2D7-2394-463B-99AA-3447397976B2}" type="datetimeFigureOut">
               <a:rPr lang="vi-VN" smtClean="0"/>
               <a:pPr/>
-              <a:t>07/12/2020</a:t>
+              <a:t>08/12/2020</a:t>
             </a:fld>
             <a:endParaRPr lang="vi-VN"/>
           </a:p>
@@ -2019,7 +2031,7 @@
             <a:fld id="{0569F2D7-2394-463B-99AA-3447397976B2}" type="datetimeFigureOut">
               <a:rPr lang="vi-VN" smtClean="0"/>
               <a:pPr/>
-              <a:t>07/12/2020</a:t>
+              <a:t>08/12/2020</a:t>
             </a:fld>
             <a:endParaRPr lang="vi-VN"/>
           </a:p>
@@ -2139,7 +2151,7 @@
             <a:fld id="{0569F2D7-2394-463B-99AA-3447397976B2}" type="datetimeFigureOut">
               <a:rPr lang="vi-VN" smtClean="0"/>
               <a:pPr/>
-              <a:t>07/12/2020</a:t>
+              <a:t>08/12/2020</a:t>
             </a:fld>
             <a:endParaRPr lang="vi-VN"/>
           </a:p>
@@ -2236,7 +2248,7 @@
             <a:fld id="{0569F2D7-2394-463B-99AA-3447397976B2}" type="datetimeFigureOut">
               <a:rPr lang="vi-VN" smtClean="0"/>
               <a:pPr/>
-              <a:t>07/12/2020</a:t>
+              <a:t>08/12/2020</a:t>
             </a:fld>
             <a:endParaRPr lang="vi-VN"/>
           </a:p>
@@ -2515,7 +2527,7 @@
             <a:fld id="{0569F2D7-2394-463B-99AA-3447397976B2}" type="datetimeFigureOut">
               <a:rPr lang="vi-VN" smtClean="0"/>
               <a:pPr/>
-              <a:t>07/12/2020</a:t>
+              <a:t>08/12/2020</a:t>
             </a:fld>
             <a:endParaRPr lang="vi-VN"/>
           </a:p>
@@ -2774,7 +2786,7 @@
             <a:fld id="{0569F2D7-2394-463B-99AA-3447397976B2}" type="datetimeFigureOut">
               <a:rPr lang="vi-VN" smtClean="0"/>
               <a:pPr/>
-              <a:t>07/12/2020</a:t>
+              <a:t>08/12/2020</a:t>
             </a:fld>
             <a:endParaRPr lang="vi-VN"/>
           </a:p>
@@ -2989,7 +3001,7 @@
             <a:fld id="{0569F2D7-2394-463B-99AA-3447397976B2}" type="datetimeFigureOut">
               <a:rPr lang="vi-VN" smtClean="0"/>
               <a:pPr/>
-              <a:t>07/12/2020</a:t>
+              <a:t>08/12/2020</a:t>
             </a:fld>
             <a:endParaRPr lang="vi-VN"/>
           </a:p>
@@ -3493,6 +3505,13 @@
     <a:masterClrMapping/>
   </p:clrMapOvr>
   <p:transition/>
+  <p:timing>
+    <p:tnLst>
+      <p:par>
+        <p:cTn id="1" dur="indefinite" restart="never" nodeType="tmRoot"/>
+      </p:par>
+    </p:tnLst>
+  </p:timing>
 </p:sld>
 </file>
 
@@ -3652,6 +3671,13 @@
     <a:masterClrMapping/>
   </p:clrMapOvr>
   <p:transition/>
+  <p:timing>
+    <p:tnLst>
+      <p:par>
+        <p:cTn id="1" dur="indefinite" restart="never" nodeType="tmRoot"/>
+      </p:par>
+    </p:tnLst>
+  </p:timing>
 </p:sld>
 </file>
 
@@ -3736,7 +3762,42 @@
                 <a:latin typeface="Times New Roman" panose="02020603050405020304" pitchFamily="18" charset="0"/>
                 <a:cs typeface="Times New Roman" panose="02020603050405020304" pitchFamily="18" charset="0"/>
               </a:rPr>
-              <a:t>Ca lên một bài ca mới. Ca lên chúc tụng danh Người. Vì Đấng đã làm nên biết bao nhiêu là kỳ công.</a:t>
+              <a:t>Ca lên một bài ca mới. Ca lên chúc tụng danh Người</a:t>
+            </a:r>
+            <a:r>
+              <a:rPr lang="vi-VN" sz="5400" b="1">
+                <a:latin typeface="Times New Roman" panose="02020603050405020304" pitchFamily="18" charset="0"/>
+                <a:cs typeface="Times New Roman" panose="02020603050405020304" pitchFamily="18" charset="0"/>
+              </a:rPr>
+              <a:t>. </a:t>
+            </a:r>
+            <a:r>
+              <a:rPr lang="vi-VN" sz="5400" b="1" smtClean="0">
+                <a:latin typeface="Times New Roman" panose="02020603050405020304" pitchFamily="18" charset="0"/>
+                <a:cs typeface="Times New Roman" panose="02020603050405020304" pitchFamily="18" charset="0"/>
+              </a:rPr>
+              <a:t>Vì</a:t>
+            </a:r>
+            <a:r>
+              <a:rPr lang="en-US" sz="5400" b="1" smtClean="0">
+                <a:latin typeface="Times New Roman" panose="02020603050405020304" pitchFamily="18" charset="0"/>
+                <a:cs typeface="Times New Roman" panose="02020603050405020304" pitchFamily="18" charset="0"/>
+              </a:rPr>
+              <a:t> Chúa</a:t>
+            </a:r>
+            <a:r>
+              <a:rPr lang="vi-VN" sz="5400" b="1" smtClean="0">
+                <a:latin typeface="Times New Roman" panose="02020603050405020304" pitchFamily="18" charset="0"/>
+                <a:cs typeface="Times New Roman" panose="02020603050405020304" pitchFamily="18" charset="0"/>
+              </a:rPr>
+              <a:t> </a:t>
+            </a:r>
+            <a:r>
+              <a:rPr lang="vi-VN" sz="5400" b="1" dirty="0">
+                <a:latin typeface="Times New Roman" panose="02020603050405020304" pitchFamily="18" charset="0"/>
+                <a:cs typeface="Times New Roman" panose="02020603050405020304" pitchFamily="18" charset="0"/>
+              </a:rPr>
+              <a:t>Đấng đã làm nên biết bao nhiêu là kỳ công.</a:t>
             </a:r>
             <a:endParaRPr lang="en-US" sz="5400" b="1" dirty="0">
               <a:latin typeface="Times New Roman" panose="02020603050405020304" pitchFamily="18" charset="0"/>
@@ -3949,6 +4010,13 @@
     <a:masterClrMapping/>
   </p:clrMapOvr>
   <p:transition/>
+  <p:timing>
+    <p:tnLst>
+      <p:par>
+        <p:cTn id="1" dur="indefinite" restart="never" nodeType="tmRoot"/>
+      </p:par>
+    </p:tnLst>
+  </p:timing>
 </p:sld>
 </file>
 
@@ -4201,25 +4269,25 @@
               <a:t>ơ</a:t>
             </a:r>
             <a:r>
+              <a:rPr lang="en-US" sz="5400" b="1">
+                <a:latin typeface="Times New Roman" panose="02020603050405020304" pitchFamily="18" charset="0"/>
+                <a:cs typeface="Times New Roman" panose="02020603050405020304" pitchFamily="18" charset="0"/>
+              </a:rPr>
+              <a:t>n </a:t>
+            </a:r>
+            <a:r>
+              <a:rPr lang="en-US" sz="5400" b="1" smtClean="0">
+                <a:latin typeface="Times New Roman" panose="02020603050405020304" pitchFamily="18" charset="0"/>
+                <a:cs typeface="Times New Roman" panose="02020603050405020304" pitchFamily="18" charset="0"/>
+              </a:rPr>
+              <a:t>các </a:t>
+            </a:r>
+            <a:r>
               <a:rPr lang="en-US" sz="5400" b="1" dirty="0">
                 <a:latin typeface="Times New Roman" panose="02020603050405020304" pitchFamily="18" charset="0"/>
                 <a:cs typeface="Times New Roman" panose="02020603050405020304" pitchFamily="18" charset="0"/>
               </a:rPr>
-              <a:t>n </a:t>
-            </a:r>
-            <a:r>
-              <a:rPr lang="en-US" sz="5400" b="1" dirty="0" err="1">
-                <a:latin typeface="Times New Roman" panose="02020603050405020304" pitchFamily="18" charset="0"/>
-                <a:cs typeface="Times New Roman" panose="02020603050405020304" pitchFamily="18" charset="0"/>
-              </a:rPr>
-              <a:t>ác</a:t>
-            </a:r>
-            <a:r>
-              <a:rPr lang="en-US" sz="5400" b="1" dirty="0">
-                <a:latin typeface="Times New Roman" panose="02020603050405020304" pitchFamily="18" charset="0"/>
-                <a:cs typeface="Times New Roman" panose="02020603050405020304" pitchFamily="18" charset="0"/>
-              </a:rPr>
-              <a:t> ng</a:t>
+              <a:t>ng</a:t>
             </a:r>
             <a:r>
               <a:rPr lang="vi-VN" sz="5400" b="1" dirty="0">
@@ -4474,6 +4542,13 @@
     <a:masterClrMapping/>
   </p:clrMapOvr>
   <p:transition/>
+  <p:timing>
+    <p:tnLst>
+      <p:par>
+        <p:cTn id="1" dur="indefinite" restart="never" nodeType="tmRoot"/>
+      </p:par>
+    </p:tnLst>
+  </p:timing>
 </p:sld>
 </file>
 
@@ -4636,6 +4711,13 @@
     <a:masterClrMapping/>
   </p:clrMapOvr>
   <p:transition/>
+  <p:timing>
+    <p:tnLst>
+      <p:par>
+        <p:cTn id="1" dur="indefinite" restart="never" nodeType="tmRoot"/>
+      </p:par>
+    </p:tnLst>
+  </p:timing>
 </p:sld>
 </file>
 
@@ -4798,6 +4880,13 @@
     <a:masterClrMapping/>
   </p:clrMapOvr>
   <p:transition/>
+  <p:timing>
+    <p:tnLst>
+      <p:par>
+        <p:cTn id="1" dur="indefinite" restart="never" nodeType="tmRoot"/>
+      </p:par>
+    </p:tnLst>
+  </p:timing>
 </p:sld>
 </file>
 
@@ -4960,6 +5049,13 @@
     <a:masterClrMapping/>
   </p:clrMapOvr>
   <p:transition/>
+  <p:timing>
+    <p:tnLst>
+      <p:par>
+        <p:cTn id="1" dur="indefinite" restart="never" nodeType="tmRoot"/>
+      </p:par>
+    </p:tnLst>
+  </p:timing>
 </p:sld>
 </file>
 
@@ -5122,6 +5218,13 @@
     <a:masterClrMapping/>
   </p:clrMapOvr>
   <p:transition/>
+  <p:timing>
+    <p:tnLst>
+      <p:par>
+        <p:cTn id="1" dur="indefinite" restart="never" nodeType="tmRoot"/>
+      </p:par>
+    </p:tnLst>
+  </p:timing>
 </p:sld>
 </file>
 
@@ -5284,6 +5387,13 @@
     <a:masterClrMapping/>
   </p:clrMapOvr>
   <p:transition/>
+  <p:timing>
+    <p:tnLst>
+      <p:par>
+        <p:cTn id="1" dur="indefinite" restart="never" nodeType="tmRoot"/>
+      </p:par>
+    </p:tnLst>
+  </p:timing>
 </p:sld>
 </file>
 
@@ -5446,6 +5556,13 @@
     <a:masterClrMapping/>
   </p:clrMapOvr>
   <p:transition/>
+  <p:timing>
+    <p:tnLst>
+      <p:par>
+        <p:cTn id="1" dur="indefinite" restart="never" nodeType="tmRoot"/>
+      </p:par>
+    </p:tnLst>
+  </p:timing>
 </p:sld>
 </file>
 
@@ -5608,6 +5725,13 @@
     <a:masterClrMapping/>
   </p:clrMapOvr>
   <p:transition/>
+  <p:timing>
+    <p:tnLst>
+      <p:par>
+        <p:cTn id="1" dur="indefinite" restart="never" nodeType="tmRoot"/>
+      </p:par>
+    </p:tnLst>
+  </p:timing>
 </p:sld>
 </file>
 
@@ -5726,6 +5850,13 @@
     <a:masterClrMapping/>
   </p:clrMapOvr>
   <p:transition/>
+  <p:timing>
+    <p:tnLst>
+      <p:par>
+        <p:cTn id="1" dur="indefinite" restart="never" nodeType="tmRoot"/>
+      </p:par>
+    </p:tnLst>
+  </p:timing>
 </p:sld>
 </file>
 
@@ -5829,7 +5960,35 @@
                 <a:latin typeface="Times New Roman" panose="02020603050405020304" pitchFamily="18" charset="0"/>
                 <a:cs typeface="Times New Roman" panose="02020603050405020304" pitchFamily="18" charset="0"/>
               </a:rPr>
-              <a:t>Lạy Mẹ Maria, thiên hạ đã nói về Mẹ bao nhiêu điều vinh hiển, vì từ nơi Mẹ mặt trời công chính đã mọc len, là Đức Ki-tô Thiên Chúa chúng con.</a:t>
+              <a:t>Lạy Mẹ Maria, thiên hạ đã nói về Mẹ bao nhiêu điều vinh hiển, vì từ nơi Mẹ mặt trời công chính đã </a:t>
+            </a:r>
+            <a:r>
+              <a:rPr lang="vi-VN" sz="5400" b="1">
+                <a:latin typeface="Times New Roman" panose="02020603050405020304" pitchFamily="18" charset="0"/>
+                <a:cs typeface="Times New Roman" panose="02020603050405020304" pitchFamily="18" charset="0"/>
+              </a:rPr>
+              <a:t>mọc </a:t>
+            </a:r>
+            <a:r>
+              <a:rPr lang="en-US" sz="5400" b="1" smtClean="0">
+                <a:latin typeface="Times New Roman" panose="02020603050405020304" pitchFamily="18" charset="0"/>
+                <a:cs typeface="Times New Roman" panose="02020603050405020304" pitchFamily="18" charset="0"/>
+              </a:rPr>
+              <a:t>lên</a:t>
+            </a:r>
+            <a:r>
+              <a:rPr lang="vi-VN" sz="5400" b="1" smtClean="0">
+                <a:latin typeface="Times New Roman" panose="02020603050405020304" pitchFamily="18" charset="0"/>
+                <a:cs typeface="Times New Roman" panose="02020603050405020304" pitchFamily="18" charset="0"/>
+              </a:rPr>
+              <a:t>, </a:t>
+            </a:r>
+            <a:r>
+              <a:rPr lang="vi-VN" sz="5400" b="1" dirty="0">
+                <a:latin typeface="Times New Roman" panose="02020603050405020304" pitchFamily="18" charset="0"/>
+                <a:cs typeface="Times New Roman" panose="02020603050405020304" pitchFamily="18" charset="0"/>
+              </a:rPr>
+              <a:t>là Đức Ki-tô Thiên Chúa chúng con.</a:t>
             </a:r>
           </a:p>
         </p:txBody>
@@ -5845,6 +6004,13 @@
     <a:masterClrMapping/>
   </p:clrMapOvr>
   <p:transition/>
+  <p:timing>
+    <p:tnLst>
+      <p:par>
+        <p:cTn id="1" dur="indefinite" restart="never" nodeType="tmRoot"/>
+      </p:par>
+    </p:tnLst>
+  </p:timing>
 </p:sld>
 </file>
 
@@ -6010,6 +6176,13 @@
     <a:masterClrMapping/>
   </p:clrMapOvr>
   <p:transition/>
+  <p:timing>
+    <p:tnLst>
+      <p:par>
+        <p:cTn id="1" dur="indefinite" restart="never" nodeType="tmRoot"/>
+      </p:par>
+    </p:tnLst>
+  </p:timing>
 </p:sld>
 </file>
 
@@ -6175,6 +6348,13 @@
     <a:masterClrMapping/>
   </p:clrMapOvr>
   <p:transition/>
+  <p:timing>
+    <p:tnLst>
+      <p:par>
+        <p:cTn id="1" dur="indefinite" restart="never" nodeType="tmRoot"/>
+      </p:par>
+    </p:tnLst>
+  </p:timing>
 </p:sld>
 </file>
 
@@ -6340,6 +6520,13 @@
     <a:masterClrMapping/>
   </p:clrMapOvr>
   <p:transition/>
+  <p:timing>
+    <p:tnLst>
+      <p:par>
+        <p:cTn id="1" dur="indefinite" restart="never" nodeType="tmRoot"/>
+      </p:par>
+    </p:tnLst>
+  </p:timing>
 </p:sld>
 </file>
 
@@ -6505,6 +6692,13 @@
     <a:masterClrMapping/>
   </p:clrMapOvr>
   <p:transition/>
+  <p:timing>
+    <p:tnLst>
+      <p:par>
+        <p:cTn id="1" dur="indefinite" restart="never" nodeType="tmRoot"/>
+      </p:par>
+    </p:tnLst>
+  </p:timing>
 </p:sld>
 </file>
 
@@ -6667,6 +6861,13 @@
     <a:masterClrMapping/>
   </p:clrMapOvr>
   <p:transition/>
+  <p:timing>
+    <p:tnLst>
+      <p:par>
+        <p:cTn id="1" dur="indefinite" restart="never" nodeType="tmRoot"/>
+      </p:par>
+    </p:tnLst>
+  </p:timing>
 </p:sld>
 </file>
 
@@ -6829,6 +7030,13 @@
     <a:masterClrMapping/>
   </p:clrMapOvr>
   <p:transition/>
+  <p:timing>
+    <p:tnLst>
+      <p:par>
+        <p:cTn id="1" dur="indefinite" restart="never" nodeType="tmRoot"/>
+      </p:par>
+    </p:tnLst>
+  </p:timing>
 </p:sld>
 </file>
 
@@ -6994,6 +7202,13 @@
     <a:masterClrMapping/>
   </p:clrMapOvr>
   <p:transition/>
+  <p:timing>
+    <p:tnLst>
+      <p:par>
+        <p:cTn id="1" dur="indefinite" restart="never" nodeType="tmRoot"/>
+      </p:par>
+    </p:tnLst>
+  </p:timing>
 </p:sld>
 </file>
 
@@ -7159,6 +7374,13 @@
     <a:masterClrMapping/>
   </p:clrMapOvr>
   <p:transition/>
+  <p:timing>
+    <p:tnLst>
+      <p:par>
+        <p:cTn id="1" dur="indefinite" restart="never" nodeType="tmRoot"/>
+      </p:par>
+    </p:tnLst>
+  </p:timing>
 </p:sld>
 </file>
 
@@ -7321,6 +7543,13 @@
     <a:masterClrMapping/>
   </p:clrMapOvr>
   <p:transition/>
+  <p:timing>
+    <p:tnLst>
+      <p:par>
+        <p:cTn id="1" dur="indefinite" restart="never" nodeType="tmRoot"/>
+      </p:par>
+    </p:tnLst>
+  </p:timing>
 </p:sld>
 </file>
 
@@ -7439,6 +7668,13 @@
     <a:masterClrMapping/>
   </p:clrMapOvr>
   <p:transition/>
+  <p:timing>
+    <p:tnLst>
+      <p:par>
+        <p:cTn id="1" dur="indefinite" restart="never" nodeType="tmRoot"/>
+      </p:par>
+    </p:tnLst>
+  </p:timing>
 </p:sld>
 </file>
 
@@ -7581,7 +7817,37 @@
               <a:rPr lang="vi-VN" sz="5400" b="1" dirty="0">
                 <a:latin typeface="+mj-lt"/>
               </a:rPr>
-              <a:t>Tình Chúa nhu khúc ca dao vọng ngân ru giấc con thơ, tình Chúa bên đời con gieo lời ca đem an hòa xoa khổ đau cho đời mai sau.</a:t>
+              <a:t>Tình </a:t>
+            </a:r>
+            <a:r>
+              <a:rPr lang="vi-VN" sz="5400" b="1">
+                <a:latin typeface="+mj-lt"/>
+              </a:rPr>
+              <a:t>Chúa </a:t>
+            </a:r>
+            <a:r>
+              <a:rPr lang="vi-VN" sz="5400" b="1" smtClean="0">
+                <a:latin typeface="+mj-lt"/>
+              </a:rPr>
+              <a:t>nh</a:t>
+            </a:r>
+            <a:r>
+              <a:rPr lang="en-US" sz="4400" b="1" smtClean="0">
+                <a:latin typeface="+mj-lt"/>
+              </a:rPr>
+              <a:t>ư</a:t>
+            </a:r>
+            <a:r>
+              <a:rPr lang="vi-VN" sz="5400" b="1" smtClean="0">
+                <a:latin typeface="+mj-lt"/>
+              </a:rPr>
+              <a:t> </a:t>
+            </a:r>
+            <a:r>
+              <a:rPr lang="vi-VN" sz="5400" b="1" dirty="0">
+                <a:latin typeface="+mj-lt"/>
+              </a:rPr>
+              <a:t>khúc ca dao vọng ngân ru giấc con thơ, tình Chúa bên đời con gieo lời ca đem an hòa xoa khổ đau cho đời mai sau.</a:t>
             </a:r>
             <a:endParaRPr lang="vi-VN" sz="5400" b="1" dirty="0">
               <a:latin typeface="+mj-lt"/>
@@ -7601,6 +7867,13 @@
     <a:masterClrMapping/>
   </p:clrMapOvr>
   <p:transition/>
+  <p:timing>
+    <p:tnLst>
+      <p:par>
+        <p:cTn id="1" dur="indefinite" restart="never" nodeType="tmRoot"/>
+      </p:par>
+    </p:tnLst>
+  </p:timing>
 </p:sld>
 </file>
 
@@ -7766,6 +8039,13 @@
     <a:masterClrMapping/>
   </p:clrMapOvr>
   <p:transition/>
+  <p:timing>
+    <p:tnLst>
+      <p:par>
+        <p:cTn id="1" dur="indefinite" restart="never" nodeType="tmRoot"/>
+      </p:par>
+    </p:tnLst>
+  </p:timing>
 </p:sld>
 </file>
 
@@ -7931,6 +8211,13 @@
     <a:masterClrMapping/>
   </p:clrMapOvr>
   <p:transition/>
+  <p:timing>
+    <p:tnLst>
+      <p:par>
+        <p:cTn id="1" dur="indefinite" restart="never" nodeType="tmRoot"/>
+      </p:par>
+    </p:tnLst>
+  </p:timing>
 </p:sld>
 </file>
 
@@ -7982,7 +8269,7 @@
                 <a:latin typeface="Times New Roman" panose="02020603050405020304" pitchFamily="18" charset="0"/>
                 <a:cs typeface="Times New Roman" panose="02020603050405020304" pitchFamily="18" charset="0"/>
               </a:rPr>
-              <a:t>Kết</a:t>
+              <a:t>Hiệp</a:t>
             </a:r>
             <a:r>
               <a:rPr lang="en-US" sz="1800" dirty="0">
@@ -8029,7 +8316,7 @@
                 <a:latin typeface="Times New Roman" panose="02020603050405020304" pitchFamily="18" charset="0"/>
                 <a:cs typeface="Times New Roman" panose="02020603050405020304" pitchFamily="18" charset="0"/>
               </a:rPr>
-              <a:t>MẸ VÔ NHIỄM 1 (TT)</a:t>
+              <a:t>TRI ÂN TÌNH CHÚA (NL)</a:t>
             </a:r>
             <a:endParaRPr lang="en-US" sz="2400" b="1" dirty="0">
               <a:solidFill>
@@ -8058,8 +8345,8 @@
         </p:nvSpPr>
         <p:spPr>
           <a:xfrm>
-            <a:off x="0" y="624286"/>
-            <a:ext cx="9144000" cy="7733792"/>
+            <a:off x="0" y="975822"/>
+            <a:ext cx="9144000" cy="7030720"/>
           </a:xfrm>
         </p:spPr>
         <p:txBody>
@@ -8073,7 +8360,7 @@
               <a:rPr lang="vi-VN" sz="5400" b="1" dirty="0">
                 <a:latin typeface="+mj-lt"/>
               </a:rPr>
-              <a:t>ĐK. Lạy Mẹ Vô Nhiễm nguyên tội Đẹp như cánh hoa huệ giữa đời. Chẳng vương tì vết hay bợn nhơ Đẹp như câu kết muôn bài thơ. Hồn con chiêm ngắm nhan Mẹ xinh. Tiến dâng trái tim yêu hết tình</a:t>
+              <a:t>1. Tình Chúa như áng mây trôi, tình Chúa như gió lên khơi, tình Chúa luôn nồng say không đổi thay không phai nhạt qua ngàn năm kiên trung thành tín. </a:t>
             </a:r>
             <a:endParaRPr lang="vi-VN" sz="5400" b="1" dirty="0">
               <a:solidFill>
@@ -8088,7 +8375,7 @@
     </p:spTree>
     <p:extLst>
       <p:ext uri="{BB962C8B-B14F-4D97-AF65-F5344CB8AC3E}">
-        <p14:creationId xmlns:p14="http://schemas.microsoft.com/office/powerpoint/2010/main" val="3527147328"/>
+        <p14:creationId xmlns:p14="http://schemas.microsoft.com/office/powerpoint/2010/main" val="1662927904"/>
       </p:ext>
     </p:extLst>
   </p:cSld>
@@ -8096,6 +8383,13 @@
     <a:masterClrMapping/>
   </p:clrMapOvr>
   <p:transition/>
+  <p:timing>
+    <p:tnLst>
+      <p:par>
+        <p:cTn id="1" dur="indefinite" restart="never" nodeType="tmRoot"/>
+      </p:par>
+    </p:tnLst>
+  </p:timing>
 </p:sld>
 </file>
 
@@ -8147,7 +8441,7 @@
                 <a:latin typeface="Times New Roman" panose="02020603050405020304" pitchFamily="18" charset="0"/>
                 <a:cs typeface="Times New Roman" panose="02020603050405020304" pitchFamily="18" charset="0"/>
               </a:rPr>
-              <a:t>Kết</a:t>
+              <a:t>Hiệp</a:t>
             </a:r>
             <a:r>
               <a:rPr lang="en-US" sz="1800" dirty="0">
@@ -8194,7 +8488,7 @@
                 <a:latin typeface="Times New Roman" panose="02020603050405020304" pitchFamily="18" charset="0"/>
                 <a:cs typeface="Times New Roman" panose="02020603050405020304" pitchFamily="18" charset="0"/>
               </a:rPr>
-              <a:t>MẸ VÔ NHIỄM 1 (TT)</a:t>
+              <a:t>TRI ÂN TÌNH CHÚA (NL)</a:t>
             </a:r>
             <a:endParaRPr lang="en-US" sz="2400" b="1" dirty="0">
               <a:solidFill>
@@ -8223,8 +8517,8 @@
         </p:nvSpPr>
         <p:spPr>
           <a:xfrm>
-            <a:off x="0" y="975822"/>
-            <a:ext cx="9144000" cy="7030720"/>
+            <a:off x="-15240" y="1295400"/>
+            <a:ext cx="9144000" cy="6391564"/>
           </a:xfrm>
         </p:spPr>
         <p:txBody>
@@ -8235,10 +8529,10 @@
           <a:p>
             <a:pPr algn="just"/>
             <a:r>
-              <a:rPr lang="vi-VN" sz="5400" b="1" dirty="0">
+              <a:rPr lang="vi-VN" sz="5400" b="1">
                 <a:latin typeface="+mj-lt"/>
               </a:rPr>
-              <a:t>1. Xin cho con mỗi ngày thêm mến Mẹ. Xin cho con biết rời xa bến mê để sống thánh ân. để sống xứng danh với con Mẹ Chí nhân, để xứng đáng hơn, được Chúa đoái thương, suốt đời trung tín luôn</a:t>
+              <a:t>Tình Chúa đưa dẫn con đi vượt qua muôn nỗi hiểm nguy, tình Chúa theo mọi nơi cho niềm vui cho tiếng cười cho bờ môi vang lời yêu thương.</a:t>
             </a:r>
             <a:endParaRPr lang="vi-VN" sz="5400" b="1" dirty="0">
               <a:solidFill>
@@ -8253,7 +8547,7 @@
     </p:spTree>
     <p:extLst>
       <p:ext uri="{BB962C8B-B14F-4D97-AF65-F5344CB8AC3E}">
-        <p14:creationId xmlns:p14="http://schemas.microsoft.com/office/powerpoint/2010/main" val="1022002123"/>
+        <p14:creationId xmlns:p14="http://schemas.microsoft.com/office/powerpoint/2010/main" val="917453486"/>
       </p:ext>
     </p:extLst>
   </p:cSld>
@@ -8261,6 +8555,13 @@
     <a:masterClrMapping/>
   </p:clrMapOvr>
   <p:transition/>
+  <p:timing>
+    <p:tnLst>
+      <p:par>
+        <p:cTn id="1" dur="indefinite" restart="never" nodeType="tmRoot"/>
+      </p:par>
+    </p:tnLst>
+  </p:timing>
 </p:sld>
 </file>
 
@@ -8312,7 +8613,7 @@
                 <a:latin typeface="Times New Roman" panose="02020603050405020304" pitchFamily="18" charset="0"/>
                 <a:cs typeface="Times New Roman" panose="02020603050405020304" pitchFamily="18" charset="0"/>
               </a:rPr>
-              <a:t>Kết</a:t>
+              <a:t>Hiệp</a:t>
             </a:r>
             <a:r>
               <a:rPr lang="en-US" sz="1800" dirty="0">
@@ -8359,7 +8660,7 @@
                 <a:latin typeface="Times New Roman" panose="02020603050405020304" pitchFamily="18" charset="0"/>
                 <a:cs typeface="Times New Roman" panose="02020603050405020304" pitchFamily="18" charset="0"/>
               </a:rPr>
-              <a:t>MẸ VÔ NHIỄM 1 (TT)</a:t>
+              <a:t>TRI ÂN TÌNH CHÚA (NL)</a:t>
             </a:r>
             <a:endParaRPr lang="en-US" sz="2400" b="1" dirty="0">
               <a:solidFill>
@@ -8388,8 +8689,8 @@
         </p:nvSpPr>
         <p:spPr>
           <a:xfrm>
-            <a:off x="0" y="624286"/>
-            <a:ext cx="9144000" cy="7733792"/>
+            <a:off x="0" y="1295400"/>
+            <a:ext cx="9144000" cy="6391564"/>
           </a:xfrm>
         </p:spPr>
         <p:txBody>
@@ -8403,7 +8704,7 @@
               <a:rPr lang="vi-VN" sz="5400" b="1" dirty="0">
                 <a:latin typeface="+mj-lt"/>
               </a:rPr>
-              <a:t>ĐK. Lạy Mẹ Vô Nhiễm nguyên tội Đẹp như cánh hoa huệ giữa đời. Chẳng vương tì vết hay bợn nhơ Đẹp như câu kết muôn bài thơ. Hồn con chiêm ngắm nhan Mẹ xinh. Tiến dâng trái tim yêu hết tình</a:t>
+              <a:t>ĐK. Xin tri ân Chúa qua muôn thế hệ, xin tri ân Chúa qua muôn ngàn nơi, tình Ngài bao la trời đất từng ngày yêu thương dẫn dắt chúng con đi trên đời. </a:t>
             </a:r>
             <a:endParaRPr lang="vi-VN" sz="5400" b="1" dirty="0">
               <a:solidFill>
@@ -8418,7 +8719,7 @@
     </p:spTree>
     <p:extLst>
       <p:ext uri="{BB962C8B-B14F-4D97-AF65-F5344CB8AC3E}">
-        <p14:creationId xmlns:p14="http://schemas.microsoft.com/office/powerpoint/2010/main" val="2875402403"/>
+        <p14:creationId xmlns:p14="http://schemas.microsoft.com/office/powerpoint/2010/main" val="995326157"/>
       </p:ext>
     </p:extLst>
   </p:cSld>
@@ -8426,6 +8727,695 @@
     <a:masterClrMapping/>
   </p:clrMapOvr>
   <p:transition/>
+  <p:timing>
+    <p:tnLst>
+      <p:par>
+        <p:cTn id="1" dur="indefinite" restart="never" nodeType="tmRoot"/>
+      </p:par>
+    </p:tnLst>
+  </p:timing>
+</p:sld>
+</file>
+
+<file path=ppt/slides/slide36.xml><?xml version="1.0" encoding="utf-8"?>
+<p:sld xmlns:a="http://schemas.openxmlformats.org/drawingml/2006/main" xmlns:r="http://schemas.openxmlformats.org/officeDocument/2006/relationships" xmlns:p="http://schemas.openxmlformats.org/presentationml/2006/main">
+  <p:cSld>
+    <p:spTree>
+      <p:nvGrpSpPr>
+        <p:cNvPr id="1" name=""/>
+        <p:cNvGrpSpPr/>
+        <p:nvPr/>
+      </p:nvGrpSpPr>
+      <p:grpSpPr>
+        <a:xfrm>
+          <a:off x="0" y="0"/>
+          <a:ext cx="0" cy="0"/>
+          <a:chOff x="0" y="0"/>
+          <a:chExt cx="0" cy="0"/>
+        </a:xfrm>
+      </p:grpSpPr>
+      <p:sp>
+        <p:nvSpPr>
+          <p:cNvPr id="2" name="Title 1"/>
+          <p:cNvSpPr>
+            <a:spLocks noGrp="1"/>
+          </p:cNvSpPr>
+          <p:nvPr>
+            <p:ph type="ctrTitle"/>
+          </p:nvPr>
+        </p:nvSpPr>
+        <p:spPr>
+          <a:xfrm>
+            <a:off x="0" y="13648"/>
+            <a:ext cx="9144000" cy="533400"/>
+          </a:xfrm>
+        </p:spPr>
+        <p:txBody>
+          <a:bodyPr>
+            <a:normAutofit/>
+          </a:bodyPr>
+          <a:lstStyle/>
+          <a:p>
+            <a:pPr algn="l"/>
+            <a:r>
+              <a:rPr lang="en-US" sz="1800" dirty="0" err="1">
+                <a:solidFill>
+                  <a:srgbClr val="FF0000"/>
+                </a:solidFill>
+                <a:latin typeface="Times New Roman" panose="02020603050405020304" pitchFamily="18" charset="0"/>
+                <a:cs typeface="Times New Roman" panose="02020603050405020304" pitchFamily="18" charset="0"/>
+              </a:rPr>
+              <a:t>Hiệp</a:t>
+            </a:r>
+            <a:r>
+              <a:rPr lang="en-US" sz="1800" dirty="0">
+                <a:solidFill>
+                  <a:srgbClr val="FF0000"/>
+                </a:solidFill>
+                <a:latin typeface="Times New Roman" panose="02020603050405020304" pitchFamily="18" charset="0"/>
+                <a:cs typeface="Times New Roman" panose="02020603050405020304" pitchFamily="18" charset="0"/>
+              </a:rPr>
+              <a:t> </a:t>
+            </a:r>
+            <a:r>
+              <a:rPr lang="en-US" sz="1800" dirty="0" err="1">
+                <a:solidFill>
+                  <a:srgbClr val="FF0000"/>
+                </a:solidFill>
+                <a:latin typeface="Times New Roman" panose="02020603050405020304" pitchFamily="18" charset="0"/>
+                <a:cs typeface="Times New Roman" panose="02020603050405020304" pitchFamily="18" charset="0"/>
+              </a:rPr>
+              <a:t>Lễ</a:t>
+            </a:r>
+            <a:r>
+              <a:rPr lang="en-US" sz="1800" dirty="0">
+                <a:solidFill>
+                  <a:srgbClr val="FF0000"/>
+                </a:solidFill>
+                <a:latin typeface="Times New Roman" panose="02020603050405020304" pitchFamily="18" charset="0"/>
+                <a:cs typeface="Times New Roman" panose="02020603050405020304" pitchFamily="18" charset="0"/>
+              </a:rPr>
+              <a:t>                                   </a:t>
+            </a:r>
+            <a:r>
+              <a:rPr lang="en-US" sz="2400" b="1" dirty="0">
+                <a:solidFill>
+                  <a:srgbClr val="FF0000"/>
+                </a:solidFill>
+                <a:effectLst>
+                  <a:outerShdw blurRad="38100" dist="38100" dir="2700000" algn="tl">
+                    <a:srgbClr val="000000">
+                      <a:alpha val="43137"/>
+                    </a:srgbClr>
+                  </a:outerShdw>
+                </a:effectLst>
+                <a:latin typeface="Times New Roman" panose="02020603050405020304" pitchFamily="18" charset="0"/>
+                <a:cs typeface="Times New Roman" panose="02020603050405020304" pitchFamily="18" charset="0"/>
+              </a:rPr>
+              <a:t>TRI ÂN TÌNH CHÚA (NL)</a:t>
+            </a:r>
+            <a:endParaRPr lang="en-US" sz="2400" b="1" dirty="0">
+              <a:solidFill>
+                <a:srgbClr val="FF0000"/>
+              </a:solidFill>
+              <a:effectLst>
+                <a:outerShdw blurRad="38100" dist="38100" dir="2700000" algn="tl">
+                  <a:srgbClr val="000000">
+                    <a:alpha val="43137"/>
+                  </a:srgbClr>
+                </a:outerShdw>
+              </a:effectLst>
+            </a:endParaRPr>
+          </a:p>
+        </p:txBody>
+      </p:sp>
+      <p:sp>
+        <p:nvSpPr>
+          <p:cNvPr id="3" name="Subtitle 2"/>
+          <p:cNvSpPr>
+            <a:spLocks noGrp="1"/>
+          </p:cNvSpPr>
+          <p:nvPr>
+            <p:ph type="subTitle" idx="1"/>
+          </p:nvPr>
+        </p:nvSpPr>
+        <p:spPr>
+          <a:xfrm>
+            <a:off x="0" y="1585926"/>
+            <a:ext cx="9144000" cy="5810513"/>
+          </a:xfrm>
+        </p:spPr>
+        <p:txBody>
+          <a:bodyPr>
+            <a:noAutofit/>
+          </a:bodyPr>
+          <a:lstStyle/>
+          <a:p>
+            <a:pPr algn="just"/>
+            <a:r>
+              <a:rPr lang="vi-VN" sz="5400" b="1" dirty="0">
+                <a:latin typeface="+mj-lt"/>
+              </a:rPr>
+              <a:t>Xin dâng ngàn tiếng ca, xin dâng lời cảm tạ nguyện một đời luôn sống đáp đền hồng ân.</a:t>
+            </a:r>
+            <a:endParaRPr lang="vi-VN" sz="5400" b="1" dirty="0">
+              <a:solidFill>
+                <a:schemeClr val="tx1"/>
+              </a:solidFill>
+              <a:latin typeface="+mj-lt"/>
+              <a:cs typeface="Times New Roman" panose="02020603050405020304" pitchFamily="18" charset="0"/>
+            </a:endParaRPr>
+          </a:p>
+        </p:txBody>
+      </p:sp>
+    </p:spTree>
+    <p:extLst>
+      <p:ext uri="{BB962C8B-B14F-4D97-AF65-F5344CB8AC3E}">
+        <p14:creationId xmlns:p14="http://schemas.microsoft.com/office/powerpoint/2010/main" val="36324579"/>
+      </p:ext>
+    </p:extLst>
+  </p:cSld>
+  <p:clrMapOvr>
+    <a:masterClrMapping/>
+  </p:clrMapOvr>
+  <p:transition/>
+  <p:timing>
+    <p:tnLst>
+      <p:par>
+        <p:cTn id="1" dur="indefinite" restart="never" nodeType="tmRoot"/>
+      </p:par>
+    </p:tnLst>
+  </p:timing>
+</p:sld>
+</file>
+
+<file path=ppt/slides/slide37.xml><?xml version="1.0" encoding="utf-8"?>
+<p:sld xmlns:a="http://schemas.openxmlformats.org/drawingml/2006/main" xmlns:r="http://schemas.openxmlformats.org/officeDocument/2006/relationships" xmlns:p="http://schemas.openxmlformats.org/presentationml/2006/main">
+  <p:cSld>
+    <p:spTree>
+      <p:nvGrpSpPr>
+        <p:cNvPr id="1" name=""/>
+        <p:cNvGrpSpPr/>
+        <p:nvPr/>
+      </p:nvGrpSpPr>
+      <p:grpSpPr>
+        <a:xfrm>
+          <a:off x="0" y="0"/>
+          <a:ext cx="0" cy="0"/>
+          <a:chOff x="0" y="0"/>
+          <a:chExt cx="0" cy="0"/>
+        </a:xfrm>
+      </p:grpSpPr>
+      <p:sp>
+        <p:nvSpPr>
+          <p:cNvPr id="2" name="Title 1"/>
+          <p:cNvSpPr>
+            <a:spLocks noGrp="1"/>
+          </p:cNvSpPr>
+          <p:nvPr>
+            <p:ph type="ctrTitle"/>
+          </p:nvPr>
+        </p:nvSpPr>
+        <p:spPr>
+          <a:xfrm>
+            <a:off x="0" y="13648"/>
+            <a:ext cx="9144000" cy="533400"/>
+          </a:xfrm>
+        </p:spPr>
+        <p:txBody>
+          <a:bodyPr>
+            <a:normAutofit/>
+          </a:bodyPr>
+          <a:lstStyle/>
+          <a:p>
+            <a:pPr algn="l"/>
+            <a:r>
+              <a:rPr lang="en-US" sz="1800" dirty="0" err="1">
+                <a:solidFill>
+                  <a:srgbClr val="FF0000"/>
+                </a:solidFill>
+                <a:latin typeface="Times New Roman" panose="02020603050405020304" pitchFamily="18" charset="0"/>
+                <a:cs typeface="Times New Roman" panose="02020603050405020304" pitchFamily="18" charset="0"/>
+              </a:rPr>
+              <a:t>Hiệp</a:t>
+            </a:r>
+            <a:r>
+              <a:rPr lang="en-US" sz="1800" dirty="0">
+                <a:solidFill>
+                  <a:srgbClr val="FF0000"/>
+                </a:solidFill>
+                <a:latin typeface="Times New Roman" panose="02020603050405020304" pitchFamily="18" charset="0"/>
+                <a:cs typeface="Times New Roman" panose="02020603050405020304" pitchFamily="18" charset="0"/>
+              </a:rPr>
+              <a:t> </a:t>
+            </a:r>
+            <a:r>
+              <a:rPr lang="en-US" sz="1800" dirty="0" err="1">
+                <a:solidFill>
+                  <a:srgbClr val="FF0000"/>
+                </a:solidFill>
+                <a:latin typeface="Times New Roman" panose="02020603050405020304" pitchFamily="18" charset="0"/>
+                <a:cs typeface="Times New Roman" panose="02020603050405020304" pitchFamily="18" charset="0"/>
+              </a:rPr>
+              <a:t>Lễ</a:t>
+            </a:r>
+            <a:r>
+              <a:rPr lang="en-US" sz="1800" dirty="0">
+                <a:solidFill>
+                  <a:srgbClr val="FF0000"/>
+                </a:solidFill>
+                <a:latin typeface="Times New Roman" panose="02020603050405020304" pitchFamily="18" charset="0"/>
+                <a:cs typeface="Times New Roman" panose="02020603050405020304" pitchFamily="18" charset="0"/>
+              </a:rPr>
+              <a:t>                                   </a:t>
+            </a:r>
+            <a:r>
+              <a:rPr lang="en-US" sz="2400" b="1" dirty="0">
+                <a:solidFill>
+                  <a:srgbClr val="FF0000"/>
+                </a:solidFill>
+                <a:effectLst>
+                  <a:outerShdw blurRad="38100" dist="38100" dir="2700000" algn="tl">
+                    <a:srgbClr val="000000">
+                      <a:alpha val="43137"/>
+                    </a:srgbClr>
+                  </a:outerShdw>
+                </a:effectLst>
+                <a:latin typeface="Times New Roman" panose="02020603050405020304" pitchFamily="18" charset="0"/>
+                <a:cs typeface="Times New Roman" panose="02020603050405020304" pitchFamily="18" charset="0"/>
+              </a:rPr>
+              <a:t>TRI ÂN TÌNH CHÚA (NL)</a:t>
+            </a:r>
+            <a:endParaRPr lang="en-US" sz="2400" b="1" dirty="0">
+              <a:solidFill>
+                <a:srgbClr val="FF0000"/>
+              </a:solidFill>
+              <a:effectLst>
+                <a:outerShdw blurRad="38100" dist="38100" dir="2700000" algn="tl">
+                  <a:srgbClr val="000000">
+                    <a:alpha val="43137"/>
+                  </a:srgbClr>
+                </a:outerShdw>
+              </a:effectLst>
+            </a:endParaRPr>
+          </a:p>
+        </p:txBody>
+      </p:sp>
+      <p:sp>
+        <p:nvSpPr>
+          <p:cNvPr id="3" name="Subtitle 2"/>
+          <p:cNvSpPr>
+            <a:spLocks noGrp="1"/>
+          </p:cNvSpPr>
+          <p:nvPr>
+            <p:ph type="subTitle" idx="1"/>
+          </p:nvPr>
+        </p:nvSpPr>
+        <p:spPr>
+          <a:xfrm>
+            <a:off x="0" y="975822"/>
+            <a:ext cx="9144000" cy="7030720"/>
+          </a:xfrm>
+        </p:spPr>
+        <p:txBody>
+          <a:bodyPr>
+            <a:noAutofit/>
+          </a:bodyPr>
+          <a:lstStyle/>
+          <a:p>
+            <a:pPr algn="just"/>
+            <a:r>
+              <a:rPr lang="vi-VN" sz="5400" b="1" dirty="0">
+                <a:latin typeface="+mj-lt"/>
+              </a:rPr>
+              <a:t>2. Tình Chúa như đóa hoa tươi, tình Chúa như nắng reo vui, tình Chúa cho mùa xuân hương nồng ấm lan khắp trời cho ngàn nơi lên màu rực rỡ. </a:t>
+            </a:r>
+            <a:endParaRPr lang="vi-VN" sz="5400" b="1" dirty="0">
+              <a:latin typeface="+mj-lt"/>
+              <a:cs typeface="Times New Roman" panose="02020603050405020304" pitchFamily="18" charset="0"/>
+            </a:endParaRPr>
+          </a:p>
+        </p:txBody>
+      </p:sp>
+    </p:spTree>
+    <p:extLst>
+      <p:ext uri="{BB962C8B-B14F-4D97-AF65-F5344CB8AC3E}">
+        <p14:creationId xmlns:p14="http://schemas.microsoft.com/office/powerpoint/2010/main" val="2748061234"/>
+      </p:ext>
+    </p:extLst>
+  </p:cSld>
+  <p:clrMapOvr>
+    <a:masterClrMapping/>
+  </p:clrMapOvr>
+  <p:transition/>
+  <p:timing>
+    <p:tnLst>
+      <p:par>
+        <p:cTn id="1" dur="indefinite" restart="never" nodeType="tmRoot"/>
+      </p:par>
+    </p:tnLst>
+  </p:timing>
+</p:sld>
+</file>
+
+<file path=ppt/slides/slide38.xml><?xml version="1.0" encoding="utf-8"?>
+<p:sld xmlns:a="http://schemas.openxmlformats.org/drawingml/2006/main" xmlns:r="http://schemas.openxmlformats.org/officeDocument/2006/relationships" xmlns:p="http://schemas.openxmlformats.org/presentationml/2006/main">
+  <p:cSld>
+    <p:spTree>
+      <p:nvGrpSpPr>
+        <p:cNvPr id="1" name=""/>
+        <p:cNvGrpSpPr/>
+        <p:nvPr/>
+      </p:nvGrpSpPr>
+      <p:grpSpPr>
+        <a:xfrm>
+          <a:off x="0" y="0"/>
+          <a:ext cx="0" cy="0"/>
+          <a:chOff x="0" y="0"/>
+          <a:chExt cx="0" cy="0"/>
+        </a:xfrm>
+      </p:grpSpPr>
+      <p:sp>
+        <p:nvSpPr>
+          <p:cNvPr id="2" name="Title 1"/>
+          <p:cNvSpPr>
+            <a:spLocks noGrp="1"/>
+          </p:cNvSpPr>
+          <p:nvPr>
+            <p:ph type="ctrTitle"/>
+          </p:nvPr>
+        </p:nvSpPr>
+        <p:spPr>
+          <a:xfrm>
+            <a:off x="0" y="13648"/>
+            <a:ext cx="9144000" cy="533400"/>
+          </a:xfrm>
+        </p:spPr>
+        <p:txBody>
+          <a:bodyPr>
+            <a:normAutofit/>
+          </a:bodyPr>
+          <a:lstStyle/>
+          <a:p>
+            <a:pPr algn="l"/>
+            <a:r>
+              <a:rPr lang="en-US" sz="1800" dirty="0" err="1">
+                <a:solidFill>
+                  <a:srgbClr val="FF0000"/>
+                </a:solidFill>
+                <a:latin typeface="Times New Roman" panose="02020603050405020304" pitchFamily="18" charset="0"/>
+                <a:cs typeface="Times New Roman" panose="02020603050405020304" pitchFamily="18" charset="0"/>
+              </a:rPr>
+              <a:t>Hiệp</a:t>
+            </a:r>
+            <a:r>
+              <a:rPr lang="en-US" sz="1800" dirty="0">
+                <a:solidFill>
+                  <a:srgbClr val="FF0000"/>
+                </a:solidFill>
+                <a:latin typeface="Times New Roman" panose="02020603050405020304" pitchFamily="18" charset="0"/>
+                <a:cs typeface="Times New Roman" panose="02020603050405020304" pitchFamily="18" charset="0"/>
+              </a:rPr>
+              <a:t> </a:t>
+            </a:r>
+            <a:r>
+              <a:rPr lang="en-US" sz="1800" dirty="0" err="1">
+                <a:solidFill>
+                  <a:srgbClr val="FF0000"/>
+                </a:solidFill>
+                <a:latin typeface="Times New Roman" panose="02020603050405020304" pitchFamily="18" charset="0"/>
+                <a:cs typeface="Times New Roman" panose="02020603050405020304" pitchFamily="18" charset="0"/>
+              </a:rPr>
+              <a:t>Lễ</a:t>
+            </a:r>
+            <a:r>
+              <a:rPr lang="en-US" sz="1800" dirty="0">
+                <a:solidFill>
+                  <a:srgbClr val="FF0000"/>
+                </a:solidFill>
+                <a:latin typeface="Times New Roman" panose="02020603050405020304" pitchFamily="18" charset="0"/>
+                <a:cs typeface="Times New Roman" panose="02020603050405020304" pitchFamily="18" charset="0"/>
+              </a:rPr>
+              <a:t>                                   </a:t>
+            </a:r>
+            <a:r>
+              <a:rPr lang="en-US" sz="2400" b="1" dirty="0">
+                <a:solidFill>
+                  <a:srgbClr val="FF0000"/>
+                </a:solidFill>
+                <a:effectLst>
+                  <a:outerShdw blurRad="38100" dist="38100" dir="2700000" algn="tl">
+                    <a:srgbClr val="000000">
+                      <a:alpha val="43137"/>
+                    </a:srgbClr>
+                  </a:outerShdw>
+                </a:effectLst>
+                <a:latin typeface="Times New Roman" panose="02020603050405020304" pitchFamily="18" charset="0"/>
+                <a:cs typeface="Times New Roman" panose="02020603050405020304" pitchFamily="18" charset="0"/>
+              </a:rPr>
+              <a:t>TRI ÂN TÌNH CHÚA (NL)</a:t>
+            </a:r>
+            <a:endParaRPr lang="en-US" sz="2400" b="1" dirty="0">
+              <a:solidFill>
+                <a:srgbClr val="FF0000"/>
+              </a:solidFill>
+              <a:effectLst>
+                <a:outerShdw blurRad="38100" dist="38100" dir="2700000" algn="tl">
+                  <a:srgbClr val="000000">
+                    <a:alpha val="43137"/>
+                  </a:srgbClr>
+                </a:outerShdw>
+              </a:effectLst>
+            </a:endParaRPr>
+          </a:p>
+        </p:txBody>
+      </p:sp>
+      <p:sp>
+        <p:nvSpPr>
+          <p:cNvPr id="3" name="Subtitle 2"/>
+          <p:cNvSpPr>
+            <a:spLocks noGrp="1"/>
+          </p:cNvSpPr>
+          <p:nvPr>
+            <p:ph type="subTitle" idx="1"/>
+          </p:nvPr>
+        </p:nvSpPr>
+        <p:spPr>
+          <a:xfrm>
+            <a:off x="0" y="1295400"/>
+            <a:ext cx="9144000" cy="6391564"/>
+          </a:xfrm>
+        </p:spPr>
+        <p:txBody>
+          <a:bodyPr>
+            <a:noAutofit/>
+          </a:bodyPr>
+          <a:lstStyle/>
+          <a:p>
+            <a:pPr algn="just"/>
+            <a:r>
+              <a:rPr lang="vi-VN" sz="5400" b="1" dirty="0">
+                <a:latin typeface="+mj-lt"/>
+              </a:rPr>
+              <a:t>Tình Chúa soi lối con tim tìm đến dâng hiến cho nhau, tình Chúa luôn triền miên bao dịu êm ươm ngọt ngào cho đời con sáng niềm tin yêu.</a:t>
+            </a:r>
+            <a:endParaRPr lang="vi-VN" sz="5400" b="1" dirty="0">
+              <a:latin typeface="+mj-lt"/>
+              <a:cs typeface="Times New Roman" panose="02020603050405020304" pitchFamily="18" charset="0"/>
+            </a:endParaRPr>
+          </a:p>
+        </p:txBody>
+      </p:sp>
+    </p:spTree>
+    <p:extLst>
+      <p:ext uri="{BB962C8B-B14F-4D97-AF65-F5344CB8AC3E}">
+        <p14:creationId xmlns:p14="http://schemas.microsoft.com/office/powerpoint/2010/main" val="2461065908"/>
+      </p:ext>
+    </p:extLst>
+  </p:cSld>
+  <p:clrMapOvr>
+    <a:masterClrMapping/>
+  </p:clrMapOvr>
+  <p:transition/>
+  <p:timing>
+    <p:tnLst>
+      <p:par>
+        <p:cTn id="1" dur="indefinite" restart="never" nodeType="tmRoot"/>
+      </p:par>
+    </p:tnLst>
+  </p:timing>
+</p:sld>
+</file>
+
+<file path=ppt/slides/slide39.xml><?xml version="1.0" encoding="utf-8"?>
+<p:sld xmlns:a="http://schemas.openxmlformats.org/drawingml/2006/main" xmlns:r="http://schemas.openxmlformats.org/officeDocument/2006/relationships" xmlns:p="http://schemas.openxmlformats.org/presentationml/2006/main">
+  <p:cSld>
+    <p:spTree>
+      <p:nvGrpSpPr>
+        <p:cNvPr id="1" name=""/>
+        <p:cNvGrpSpPr/>
+        <p:nvPr/>
+      </p:nvGrpSpPr>
+      <p:grpSpPr>
+        <a:xfrm>
+          <a:off x="0" y="0"/>
+          <a:ext cx="0" cy="0"/>
+          <a:chOff x="0" y="0"/>
+          <a:chExt cx="0" cy="0"/>
+        </a:xfrm>
+      </p:grpSpPr>
+      <p:sp>
+        <p:nvSpPr>
+          <p:cNvPr id="2" name="Title 1"/>
+          <p:cNvSpPr>
+            <a:spLocks noGrp="1"/>
+          </p:cNvSpPr>
+          <p:nvPr>
+            <p:ph type="ctrTitle"/>
+          </p:nvPr>
+        </p:nvSpPr>
+        <p:spPr>
+          <a:xfrm>
+            <a:off x="0" y="13648"/>
+            <a:ext cx="9144000" cy="533400"/>
+          </a:xfrm>
+        </p:spPr>
+        <p:txBody>
+          <a:bodyPr>
+            <a:normAutofit/>
+          </a:bodyPr>
+          <a:lstStyle/>
+          <a:p>
+            <a:pPr algn="l"/>
+            <a:r>
+              <a:rPr lang="en-US" sz="1800" dirty="0" err="1">
+                <a:solidFill>
+                  <a:srgbClr val="FF0000"/>
+                </a:solidFill>
+                <a:latin typeface="Times New Roman" panose="02020603050405020304" pitchFamily="18" charset="0"/>
+                <a:cs typeface="Times New Roman" panose="02020603050405020304" pitchFamily="18" charset="0"/>
+              </a:rPr>
+              <a:t>Hiệp</a:t>
+            </a:r>
+            <a:r>
+              <a:rPr lang="en-US" sz="1800" dirty="0">
+                <a:solidFill>
+                  <a:srgbClr val="FF0000"/>
+                </a:solidFill>
+                <a:latin typeface="Times New Roman" panose="02020603050405020304" pitchFamily="18" charset="0"/>
+                <a:cs typeface="Times New Roman" panose="02020603050405020304" pitchFamily="18" charset="0"/>
+              </a:rPr>
+              <a:t> </a:t>
+            </a:r>
+            <a:r>
+              <a:rPr lang="en-US" sz="1800" dirty="0" err="1">
+                <a:solidFill>
+                  <a:srgbClr val="FF0000"/>
+                </a:solidFill>
+                <a:latin typeface="Times New Roman" panose="02020603050405020304" pitchFamily="18" charset="0"/>
+                <a:cs typeface="Times New Roman" panose="02020603050405020304" pitchFamily="18" charset="0"/>
+              </a:rPr>
+              <a:t>Lễ</a:t>
+            </a:r>
+            <a:r>
+              <a:rPr lang="en-US" sz="1800" dirty="0">
+                <a:solidFill>
+                  <a:srgbClr val="FF0000"/>
+                </a:solidFill>
+                <a:latin typeface="Times New Roman" panose="02020603050405020304" pitchFamily="18" charset="0"/>
+                <a:cs typeface="Times New Roman" panose="02020603050405020304" pitchFamily="18" charset="0"/>
+              </a:rPr>
+              <a:t>                                   </a:t>
+            </a:r>
+            <a:r>
+              <a:rPr lang="en-US" sz="2400" b="1" dirty="0">
+                <a:solidFill>
+                  <a:srgbClr val="FF0000"/>
+                </a:solidFill>
+                <a:effectLst>
+                  <a:outerShdw blurRad="38100" dist="38100" dir="2700000" algn="tl">
+                    <a:srgbClr val="000000">
+                      <a:alpha val="43137"/>
+                    </a:srgbClr>
+                  </a:outerShdw>
+                </a:effectLst>
+                <a:latin typeface="Times New Roman" panose="02020603050405020304" pitchFamily="18" charset="0"/>
+                <a:cs typeface="Times New Roman" panose="02020603050405020304" pitchFamily="18" charset="0"/>
+              </a:rPr>
+              <a:t>TRI ÂN TÌNH CHÚA (NL)</a:t>
+            </a:r>
+            <a:endParaRPr lang="en-US" sz="2400" b="1" dirty="0">
+              <a:solidFill>
+                <a:srgbClr val="FF0000"/>
+              </a:solidFill>
+              <a:effectLst>
+                <a:outerShdw blurRad="38100" dist="38100" dir="2700000" algn="tl">
+                  <a:srgbClr val="000000">
+                    <a:alpha val="43137"/>
+                  </a:srgbClr>
+                </a:outerShdw>
+              </a:effectLst>
+            </a:endParaRPr>
+          </a:p>
+        </p:txBody>
+      </p:sp>
+      <p:sp>
+        <p:nvSpPr>
+          <p:cNvPr id="3" name="Subtitle 2"/>
+          <p:cNvSpPr>
+            <a:spLocks noGrp="1"/>
+          </p:cNvSpPr>
+          <p:nvPr>
+            <p:ph type="subTitle" idx="1"/>
+          </p:nvPr>
+        </p:nvSpPr>
+        <p:spPr>
+          <a:xfrm>
+            <a:off x="0" y="1295400"/>
+            <a:ext cx="9144000" cy="6391564"/>
+          </a:xfrm>
+        </p:spPr>
+        <p:txBody>
+          <a:bodyPr>
+            <a:noAutofit/>
+          </a:bodyPr>
+          <a:lstStyle/>
+          <a:p>
+            <a:pPr algn="just"/>
+            <a:r>
+              <a:rPr lang="vi-VN" sz="5400" b="1" dirty="0">
+                <a:latin typeface="+mj-lt"/>
+              </a:rPr>
+              <a:t>ĐK. Xin tri ân Chúa qua muôn thế hệ, xin tri ân Chúa qua muôn ngàn nơi, tình Ngài bao la trời đất từng ngày yêu thương dẫn dắt chúng con đi trên đời. </a:t>
+            </a:r>
+            <a:endParaRPr lang="vi-VN" sz="5400" b="1" dirty="0">
+              <a:solidFill>
+                <a:schemeClr val="tx1"/>
+              </a:solidFill>
+              <a:latin typeface="+mj-lt"/>
+              <a:cs typeface="Times New Roman" panose="02020603050405020304" pitchFamily="18" charset="0"/>
+            </a:endParaRPr>
+          </a:p>
+        </p:txBody>
+      </p:sp>
+    </p:spTree>
+    <p:extLst>
+      <p:ext uri="{BB962C8B-B14F-4D97-AF65-F5344CB8AC3E}">
+        <p14:creationId xmlns:p14="http://schemas.microsoft.com/office/powerpoint/2010/main" val="2843208919"/>
+      </p:ext>
+    </p:extLst>
+  </p:cSld>
+  <p:clrMapOvr>
+    <a:masterClrMapping/>
+  </p:clrMapOvr>
+  <p:transition/>
+  <p:timing>
+    <p:tnLst>
+      <p:par>
+        <p:cTn id="1" dur="indefinite" restart="never" nodeType="tmRoot"/>
+      </p:par>
+    </p:tnLst>
+  </p:timing>
 </p:sld>
 </file>
 
@@ -8544,6 +9534,1413 @@
     <a:masterClrMapping/>
   </p:clrMapOvr>
   <p:transition/>
+  <p:timing>
+    <p:tnLst>
+      <p:par>
+        <p:cTn id="1" dur="indefinite" restart="never" nodeType="tmRoot"/>
+      </p:par>
+    </p:tnLst>
+  </p:timing>
+</p:sld>
+</file>
+
+<file path=ppt/slides/slide40.xml><?xml version="1.0" encoding="utf-8"?>
+<p:sld xmlns:a="http://schemas.openxmlformats.org/drawingml/2006/main" xmlns:r="http://schemas.openxmlformats.org/officeDocument/2006/relationships" xmlns:p="http://schemas.openxmlformats.org/presentationml/2006/main">
+  <p:cSld>
+    <p:spTree>
+      <p:nvGrpSpPr>
+        <p:cNvPr id="1" name=""/>
+        <p:cNvGrpSpPr/>
+        <p:nvPr/>
+      </p:nvGrpSpPr>
+      <p:grpSpPr>
+        <a:xfrm>
+          <a:off x="0" y="0"/>
+          <a:ext cx="0" cy="0"/>
+          <a:chOff x="0" y="0"/>
+          <a:chExt cx="0" cy="0"/>
+        </a:xfrm>
+      </p:grpSpPr>
+      <p:sp>
+        <p:nvSpPr>
+          <p:cNvPr id="2" name="Title 1"/>
+          <p:cNvSpPr>
+            <a:spLocks noGrp="1"/>
+          </p:cNvSpPr>
+          <p:nvPr>
+            <p:ph type="ctrTitle"/>
+          </p:nvPr>
+        </p:nvSpPr>
+        <p:spPr>
+          <a:xfrm>
+            <a:off x="0" y="13648"/>
+            <a:ext cx="9144000" cy="533400"/>
+          </a:xfrm>
+        </p:spPr>
+        <p:txBody>
+          <a:bodyPr>
+            <a:normAutofit/>
+          </a:bodyPr>
+          <a:lstStyle/>
+          <a:p>
+            <a:pPr algn="l"/>
+            <a:r>
+              <a:rPr lang="en-US" sz="1800" dirty="0" err="1">
+                <a:solidFill>
+                  <a:srgbClr val="FF0000"/>
+                </a:solidFill>
+                <a:latin typeface="Times New Roman" panose="02020603050405020304" pitchFamily="18" charset="0"/>
+                <a:cs typeface="Times New Roman" panose="02020603050405020304" pitchFamily="18" charset="0"/>
+              </a:rPr>
+              <a:t>Hiệp</a:t>
+            </a:r>
+            <a:r>
+              <a:rPr lang="en-US" sz="1800" dirty="0">
+                <a:solidFill>
+                  <a:srgbClr val="FF0000"/>
+                </a:solidFill>
+                <a:latin typeface="Times New Roman" panose="02020603050405020304" pitchFamily="18" charset="0"/>
+                <a:cs typeface="Times New Roman" panose="02020603050405020304" pitchFamily="18" charset="0"/>
+              </a:rPr>
+              <a:t> </a:t>
+            </a:r>
+            <a:r>
+              <a:rPr lang="en-US" sz="1800" dirty="0" err="1">
+                <a:solidFill>
+                  <a:srgbClr val="FF0000"/>
+                </a:solidFill>
+                <a:latin typeface="Times New Roman" panose="02020603050405020304" pitchFamily="18" charset="0"/>
+                <a:cs typeface="Times New Roman" panose="02020603050405020304" pitchFamily="18" charset="0"/>
+              </a:rPr>
+              <a:t>Lễ</a:t>
+            </a:r>
+            <a:r>
+              <a:rPr lang="en-US" sz="1800" dirty="0">
+                <a:solidFill>
+                  <a:srgbClr val="FF0000"/>
+                </a:solidFill>
+                <a:latin typeface="Times New Roman" panose="02020603050405020304" pitchFamily="18" charset="0"/>
+                <a:cs typeface="Times New Roman" panose="02020603050405020304" pitchFamily="18" charset="0"/>
+              </a:rPr>
+              <a:t>                                   </a:t>
+            </a:r>
+            <a:r>
+              <a:rPr lang="en-US" sz="2400" b="1" dirty="0">
+                <a:solidFill>
+                  <a:srgbClr val="FF0000"/>
+                </a:solidFill>
+                <a:effectLst>
+                  <a:outerShdw blurRad="38100" dist="38100" dir="2700000" algn="tl">
+                    <a:srgbClr val="000000">
+                      <a:alpha val="43137"/>
+                    </a:srgbClr>
+                  </a:outerShdw>
+                </a:effectLst>
+                <a:latin typeface="Times New Roman" panose="02020603050405020304" pitchFamily="18" charset="0"/>
+                <a:cs typeface="Times New Roman" panose="02020603050405020304" pitchFamily="18" charset="0"/>
+              </a:rPr>
+              <a:t>TRI ÂN TÌNH CHÚA (NL)</a:t>
+            </a:r>
+            <a:endParaRPr lang="en-US" sz="2400" b="1" dirty="0">
+              <a:solidFill>
+                <a:srgbClr val="FF0000"/>
+              </a:solidFill>
+              <a:effectLst>
+                <a:outerShdw blurRad="38100" dist="38100" dir="2700000" algn="tl">
+                  <a:srgbClr val="000000">
+                    <a:alpha val="43137"/>
+                  </a:srgbClr>
+                </a:outerShdw>
+              </a:effectLst>
+            </a:endParaRPr>
+          </a:p>
+        </p:txBody>
+      </p:sp>
+      <p:sp>
+        <p:nvSpPr>
+          <p:cNvPr id="3" name="Subtitle 2"/>
+          <p:cNvSpPr>
+            <a:spLocks noGrp="1"/>
+          </p:cNvSpPr>
+          <p:nvPr>
+            <p:ph type="subTitle" idx="1"/>
+          </p:nvPr>
+        </p:nvSpPr>
+        <p:spPr>
+          <a:xfrm>
+            <a:off x="0" y="1585926"/>
+            <a:ext cx="9144000" cy="5810513"/>
+          </a:xfrm>
+        </p:spPr>
+        <p:txBody>
+          <a:bodyPr>
+            <a:noAutofit/>
+          </a:bodyPr>
+          <a:lstStyle/>
+          <a:p>
+            <a:pPr algn="just"/>
+            <a:r>
+              <a:rPr lang="vi-VN" sz="5400" b="1" dirty="0">
+                <a:latin typeface="+mj-lt"/>
+              </a:rPr>
+              <a:t>Xin dâng ngàn tiếng ca, xin dâng lời cảm tạ nguyện một đời luôn sống đáp đền hồng ân.</a:t>
+            </a:r>
+            <a:endParaRPr lang="vi-VN" sz="5400" b="1" dirty="0">
+              <a:solidFill>
+                <a:schemeClr val="tx1"/>
+              </a:solidFill>
+              <a:latin typeface="+mj-lt"/>
+              <a:cs typeface="Times New Roman" panose="02020603050405020304" pitchFamily="18" charset="0"/>
+            </a:endParaRPr>
+          </a:p>
+        </p:txBody>
+      </p:sp>
+    </p:spTree>
+    <p:extLst>
+      <p:ext uri="{BB962C8B-B14F-4D97-AF65-F5344CB8AC3E}">
+        <p14:creationId xmlns:p14="http://schemas.microsoft.com/office/powerpoint/2010/main" val="625987836"/>
+      </p:ext>
+    </p:extLst>
+  </p:cSld>
+  <p:clrMapOvr>
+    <a:masterClrMapping/>
+  </p:clrMapOvr>
+  <p:transition/>
+  <p:timing>
+    <p:tnLst>
+      <p:par>
+        <p:cTn id="1" dur="indefinite" restart="never" nodeType="tmRoot"/>
+      </p:par>
+    </p:tnLst>
+  </p:timing>
+</p:sld>
+</file>
+
+<file path=ppt/slides/slide41.xml><?xml version="1.0" encoding="utf-8"?>
+<p:sld xmlns:a="http://schemas.openxmlformats.org/drawingml/2006/main" xmlns:r="http://schemas.openxmlformats.org/officeDocument/2006/relationships" xmlns:p="http://schemas.openxmlformats.org/presentationml/2006/main">
+  <p:cSld>
+    <p:spTree>
+      <p:nvGrpSpPr>
+        <p:cNvPr id="1" name=""/>
+        <p:cNvGrpSpPr/>
+        <p:nvPr/>
+      </p:nvGrpSpPr>
+      <p:grpSpPr>
+        <a:xfrm>
+          <a:off x="0" y="0"/>
+          <a:ext cx="0" cy="0"/>
+          <a:chOff x="0" y="0"/>
+          <a:chExt cx="0" cy="0"/>
+        </a:xfrm>
+      </p:grpSpPr>
+      <p:sp>
+        <p:nvSpPr>
+          <p:cNvPr id="2" name="Title 1"/>
+          <p:cNvSpPr>
+            <a:spLocks noGrp="1"/>
+          </p:cNvSpPr>
+          <p:nvPr>
+            <p:ph type="ctrTitle"/>
+          </p:nvPr>
+        </p:nvSpPr>
+        <p:spPr>
+          <a:xfrm>
+            <a:off x="0" y="13648"/>
+            <a:ext cx="9144000" cy="533400"/>
+          </a:xfrm>
+        </p:spPr>
+        <p:txBody>
+          <a:bodyPr>
+            <a:normAutofit/>
+          </a:bodyPr>
+          <a:lstStyle/>
+          <a:p>
+            <a:pPr algn="l"/>
+            <a:r>
+              <a:rPr lang="en-US" sz="1800" dirty="0" err="1">
+                <a:solidFill>
+                  <a:srgbClr val="FF0000"/>
+                </a:solidFill>
+                <a:latin typeface="Times New Roman" panose="02020603050405020304" pitchFamily="18" charset="0"/>
+                <a:cs typeface="Times New Roman" panose="02020603050405020304" pitchFamily="18" charset="0"/>
+              </a:rPr>
+              <a:t>Hiệp</a:t>
+            </a:r>
+            <a:r>
+              <a:rPr lang="en-US" sz="1800" dirty="0">
+                <a:solidFill>
+                  <a:srgbClr val="FF0000"/>
+                </a:solidFill>
+                <a:latin typeface="Times New Roman" panose="02020603050405020304" pitchFamily="18" charset="0"/>
+                <a:cs typeface="Times New Roman" panose="02020603050405020304" pitchFamily="18" charset="0"/>
+              </a:rPr>
+              <a:t> </a:t>
+            </a:r>
+            <a:r>
+              <a:rPr lang="en-US" sz="1800" dirty="0" err="1">
+                <a:solidFill>
+                  <a:srgbClr val="FF0000"/>
+                </a:solidFill>
+                <a:latin typeface="Times New Roman" panose="02020603050405020304" pitchFamily="18" charset="0"/>
+                <a:cs typeface="Times New Roman" panose="02020603050405020304" pitchFamily="18" charset="0"/>
+              </a:rPr>
+              <a:t>Lễ</a:t>
+            </a:r>
+            <a:r>
+              <a:rPr lang="en-US" sz="1800" dirty="0">
+                <a:solidFill>
+                  <a:srgbClr val="FF0000"/>
+                </a:solidFill>
+                <a:latin typeface="Times New Roman" panose="02020603050405020304" pitchFamily="18" charset="0"/>
+                <a:cs typeface="Times New Roman" panose="02020603050405020304" pitchFamily="18" charset="0"/>
+              </a:rPr>
+              <a:t>                                   </a:t>
+            </a:r>
+            <a:r>
+              <a:rPr lang="en-US" sz="2400" b="1" dirty="0">
+                <a:solidFill>
+                  <a:srgbClr val="FF0000"/>
+                </a:solidFill>
+                <a:effectLst>
+                  <a:outerShdw blurRad="38100" dist="38100" dir="2700000" algn="tl">
+                    <a:srgbClr val="000000">
+                      <a:alpha val="43137"/>
+                    </a:srgbClr>
+                  </a:outerShdw>
+                </a:effectLst>
+                <a:latin typeface="Times New Roman" panose="02020603050405020304" pitchFamily="18" charset="0"/>
+                <a:cs typeface="Times New Roman" panose="02020603050405020304" pitchFamily="18" charset="0"/>
+              </a:rPr>
+              <a:t>TRI ÂN TÌNH CHÚA (NL)</a:t>
+            </a:r>
+            <a:endParaRPr lang="en-US" sz="2400" b="1" dirty="0">
+              <a:solidFill>
+                <a:srgbClr val="FF0000"/>
+              </a:solidFill>
+              <a:effectLst>
+                <a:outerShdw blurRad="38100" dist="38100" dir="2700000" algn="tl">
+                  <a:srgbClr val="000000">
+                    <a:alpha val="43137"/>
+                  </a:srgbClr>
+                </a:outerShdw>
+              </a:effectLst>
+            </a:endParaRPr>
+          </a:p>
+        </p:txBody>
+      </p:sp>
+      <p:sp>
+        <p:nvSpPr>
+          <p:cNvPr id="3" name="Subtitle 2"/>
+          <p:cNvSpPr>
+            <a:spLocks noGrp="1"/>
+          </p:cNvSpPr>
+          <p:nvPr>
+            <p:ph type="subTitle" idx="1"/>
+          </p:nvPr>
+        </p:nvSpPr>
+        <p:spPr>
+          <a:xfrm>
+            <a:off x="0" y="975822"/>
+            <a:ext cx="9144000" cy="7030720"/>
+          </a:xfrm>
+        </p:spPr>
+        <p:txBody>
+          <a:bodyPr>
+            <a:noAutofit/>
+          </a:bodyPr>
+          <a:lstStyle/>
+          <a:p>
+            <a:pPr algn="just"/>
+            <a:r>
+              <a:rPr lang="vi-VN" sz="5400" b="1" dirty="0">
+                <a:latin typeface="+mj-lt"/>
+              </a:rPr>
+              <a:t>3. Tình Chúa như sóng dâng cao, tình Chúa như lúa xôn xao, tình Chúa như vì sao trên trời cao chiếu rạng ngời đưa người đi trong đêm trời tối. </a:t>
+            </a:r>
+            <a:endParaRPr lang="vi-VN" sz="5400" b="1" dirty="0">
+              <a:latin typeface="+mj-lt"/>
+              <a:cs typeface="Times New Roman" panose="02020603050405020304" pitchFamily="18" charset="0"/>
+            </a:endParaRPr>
+          </a:p>
+        </p:txBody>
+      </p:sp>
+    </p:spTree>
+    <p:extLst>
+      <p:ext uri="{BB962C8B-B14F-4D97-AF65-F5344CB8AC3E}">
+        <p14:creationId xmlns:p14="http://schemas.microsoft.com/office/powerpoint/2010/main" val="3811714358"/>
+      </p:ext>
+    </p:extLst>
+  </p:cSld>
+  <p:clrMapOvr>
+    <a:masterClrMapping/>
+  </p:clrMapOvr>
+  <p:transition/>
+  <p:timing>
+    <p:tnLst>
+      <p:par>
+        <p:cTn id="1" dur="indefinite" restart="never" nodeType="tmRoot"/>
+      </p:par>
+    </p:tnLst>
+  </p:timing>
+</p:sld>
+</file>
+
+<file path=ppt/slides/slide42.xml><?xml version="1.0" encoding="utf-8"?>
+<p:sld xmlns:a="http://schemas.openxmlformats.org/drawingml/2006/main" xmlns:r="http://schemas.openxmlformats.org/officeDocument/2006/relationships" xmlns:p="http://schemas.openxmlformats.org/presentationml/2006/main">
+  <p:cSld>
+    <p:spTree>
+      <p:nvGrpSpPr>
+        <p:cNvPr id="1" name=""/>
+        <p:cNvGrpSpPr/>
+        <p:nvPr/>
+      </p:nvGrpSpPr>
+      <p:grpSpPr>
+        <a:xfrm>
+          <a:off x="0" y="0"/>
+          <a:ext cx="0" cy="0"/>
+          <a:chOff x="0" y="0"/>
+          <a:chExt cx="0" cy="0"/>
+        </a:xfrm>
+      </p:grpSpPr>
+      <p:sp>
+        <p:nvSpPr>
+          <p:cNvPr id="2" name="Title 1"/>
+          <p:cNvSpPr>
+            <a:spLocks noGrp="1"/>
+          </p:cNvSpPr>
+          <p:nvPr>
+            <p:ph type="ctrTitle"/>
+          </p:nvPr>
+        </p:nvSpPr>
+        <p:spPr>
+          <a:xfrm>
+            <a:off x="0" y="13648"/>
+            <a:ext cx="9144000" cy="533400"/>
+          </a:xfrm>
+        </p:spPr>
+        <p:txBody>
+          <a:bodyPr>
+            <a:normAutofit/>
+          </a:bodyPr>
+          <a:lstStyle/>
+          <a:p>
+            <a:pPr algn="l"/>
+            <a:r>
+              <a:rPr lang="en-US" sz="1800" dirty="0" err="1">
+                <a:solidFill>
+                  <a:srgbClr val="FF0000"/>
+                </a:solidFill>
+                <a:latin typeface="Times New Roman" panose="02020603050405020304" pitchFamily="18" charset="0"/>
+                <a:cs typeface="Times New Roman" panose="02020603050405020304" pitchFamily="18" charset="0"/>
+              </a:rPr>
+              <a:t>Hiệp</a:t>
+            </a:r>
+            <a:r>
+              <a:rPr lang="en-US" sz="1800" dirty="0">
+                <a:solidFill>
+                  <a:srgbClr val="FF0000"/>
+                </a:solidFill>
+                <a:latin typeface="Times New Roman" panose="02020603050405020304" pitchFamily="18" charset="0"/>
+                <a:cs typeface="Times New Roman" panose="02020603050405020304" pitchFamily="18" charset="0"/>
+              </a:rPr>
+              <a:t> </a:t>
+            </a:r>
+            <a:r>
+              <a:rPr lang="en-US" sz="1800" dirty="0" err="1">
+                <a:solidFill>
+                  <a:srgbClr val="FF0000"/>
+                </a:solidFill>
+                <a:latin typeface="Times New Roman" panose="02020603050405020304" pitchFamily="18" charset="0"/>
+                <a:cs typeface="Times New Roman" panose="02020603050405020304" pitchFamily="18" charset="0"/>
+              </a:rPr>
+              <a:t>Lễ</a:t>
+            </a:r>
+            <a:r>
+              <a:rPr lang="en-US" sz="1800" dirty="0">
+                <a:solidFill>
+                  <a:srgbClr val="FF0000"/>
+                </a:solidFill>
+                <a:latin typeface="Times New Roman" panose="02020603050405020304" pitchFamily="18" charset="0"/>
+                <a:cs typeface="Times New Roman" panose="02020603050405020304" pitchFamily="18" charset="0"/>
+              </a:rPr>
+              <a:t>                                   </a:t>
+            </a:r>
+            <a:r>
+              <a:rPr lang="en-US" sz="2400" b="1" dirty="0">
+                <a:solidFill>
+                  <a:srgbClr val="FF0000"/>
+                </a:solidFill>
+                <a:effectLst>
+                  <a:outerShdw blurRad="38100" dist="38100" dir="2700000" algn="tl">
+                    <a:srgbClr val="000000">
+                      <a:alpha val="43137"/>
+                    </a:srgbClr>
+                  </a:outerShdw>
+                </a:effectLst>
+                <a:latin typeface="Times New Roman" panose="02020603050405020304" pitchFamily="18" charset="0"/>
+                <a:cs typeface="Times New Roman" panose="02020603050405020304" pitchFamily="18" charset="0"/>
+              </a:rPr>
+              <a:t>TRI ÂN TÌNH CHÚA (NL)</a:t>
+            </a:r>
+            <a:endParaRPr lang="en-US" sz="2400" b="1" dirty="0">
+              <a:solidFill>
+                <a:srgbClr val="FF0000"/>
+              </a:solidFill>
+              <a:effectLst>
+                <a:outerShdw blurRad="38100" dist="38100" dir="2700000" algn="tl">
+                  <a:srgbClr val="000000">
+                    <a:alpha val="43137"/>
+                  </a:srgbClr>
+                </a:outerShdw>
+              </a:effectLst>
+            </a:endParaRPr>
+          </a:p>
+        </p:txBody>
+      </p:sp>
+      <p:sp>
+        <p:nvSpPr>
+          <p:cNvPr id="3" name="Subtitle 2"/>
+          <p:cNvSpPr>
+            <a:spLocks noGrp="1"/>
+          </p:cNvSpPr>
+          <p:nvPr>
+            <p:ph type="subTitle" idx="1"/>
+          </p:nvPr>
+        </p:nvSpPr>
+        <p:spPr>
+          <a:xfrm>
+            <a:off x="0" y="1295400"/>
+            <a:ext cx="9144000" cy="6391564"/>
+          </a:xfrm>
+        </p:spPr>
+        <p:txBody>
+          <a:bodyPr>
+            <a:noAutofit/>
+          </a:bodyPr>
+          <a:lstStyle/>
+          <a:p>
+            <a:pPr algn="just"/>
+            <a:r>
+              <a:rPr lang="vi-VN" sz="5400" b="1" dirty="0">
+                <a:latin typeface="+mj-lt"/>
+              </a:rPr>
+              <a:t>Tình </a:t>
+            </a:r>
+            <a:r>
+              <a:rPr lang="vi-VN" sz="5400" b="1">
+                <a:latin typeface="+mj-lt"/>
+              </a:rPr>
+              <a:t>Chúa </a:t>
+            </a:r>
+            <a:r>
+              <a:rPr lang="vi-VN" sz="5400" b="1" smtClean="0">
+                <a:latin typeface="+mj-lt"/>
+              </a:rPr>
+              <a:t>nh</a:t>
+            </a:r>
+            <a:r>
+              <a:rPr lang="en-US" sz="4400" b="1" smtClean="0">
+                <a:latin typeface="+mj-lt"/>
+              </a:rPr>
+              <a:t>ư</a:t>
+            </a:r>
+            <a:r>
+              <a:rPr lang="vi-VN" sz="5400" b="1" smtClean="0">
+                <a:latin typeface="+mj-lt"/>
+              </a:rPr>
+              <a:t> </a:t>
+            </a:r>
+            <a:r>
+              <a:rPr lang="vi-VN" sz="5400" b="1" dirty="0">
+                <a:latin typeface="+mj-lt"/>
+              </a:rPr>
+              <a:t>khúc ca dao vọng ngân ru giấc con thơ, tình Chúa bên đời con gieo lời ca đem an hòa xoa khổ đau cho đời mai sau.</a:t>
+            </a:r>
+            <a:endParaRPr lang="vi-VN" sz="5400" b="1" dirty="0">
+              <a:latin typeface="+mj-lt"/>
+              <a:cs typeface="Times New Roman" panose="02020603050405020304" pitchFamily="18" charset="0"/>
+            </a:endParaRPr>
+          </a:p>
+        </p:txBody>
+      </p:sp>
+    </p:spTree>
+    <p:extLst>
+      <p:ext uri="{BB962C8B-B14F-4D97-AF65-F5344CB8AC3E}">
+        <p14:creationId xmlns:p14="http://schemas.microsoft.com/office/powerpoint/2010/main" val="3069531492"/>
+      </p:ext>
+    </p:extLst>
+  </p:cSld>
+  <p:clrMapOvr>
+    <a:masterClrMapping/>
+  </p:clrMapOvr>
+  <p:transition/>
+  <p:timing>
+    <p:tnLst>
+      <p:par>
+        <p:cTn id="1" dur="indefinite" restart="never" nodeType="tmRoot"/>
+      </p:par>
+    </p:tnLst>
+  </p:timing>
+</p:sld>
+</file>
+
+<file path=ppt/slides/slide43.xml><?xml version="1.0" encoding="utf-8"?>
+<p:sld xmlns:a="http://schemas.openxmlformats.org/drawingml/2006/main" xmlns:r="http://schemas.openxmlformats.org/officeDocument/2006/relationships" xmlns:p="http://schemas.openxmlformats.org/presentationml/2006/main">
+  <p:cSld>
+    <p:spTree>
+      <p:nvGrpSpPr>
+        <p:cNvPr id="1" name=""/>
+        <p:cNvGrpSpPr/>
+        <p:nvPr/>
+      </p:nvGrpSpPr>
+      <p:grpSpPr>
+        <a:xfrm>
+          <a:off x="0" y="0"/>
+          <a:ext cx="0" cy="0"/>
+          <a:chOff x="0" y="0"/>
+          <a:chExt cx="0" cy="0"/>
+        </a:xfrm>
+      </p:grpSpPr>
+      <p:sp>
+        <p:nvSpPr>
+          <p:cNvPr id="2" name="Title 1"/>
+          <p:cNvSpPr>
+            <a:spLocks noGrp="1"/>
+          </p:cNvSpPr>
+          <p:nvPr>
+            <p:ph type="ctrTitle"/>
+          </p:nvPr>
+        </p:nvSpPr>
+        <p:spPr>
+          <a:xfrm>
+            <a:off x="0" y="13648"/>
+            <a:ext cx="9144000" cy="533400"/>
+          </a:xfrm>
+        </p:spPr>
+        <p:txBody>
+          <a:bodyPr>
+            <a:normAutofit/>
+          </a:bodyPr>
+          <a:lstStyle/>
+          <a:p>
+            <a:pPr algn="l"/>
+            <a:r>
+              <a:rPr lang="en-US" sz="1800" dirty="0" err="1">
+                <a:solidFill>
+                  <a:srgbClr val="FF0000"/>
+                </a:solidFill>
+                <a:latin typeface="Times New Roman" panose="02020603050405020304" pitchFamily="18" charset="0"/>
+                <a:cs typeface="Times New Roman" panose="02020603050405020304" pitchFamily="18" charset="0"/>
+              </a:rPr>
+              <a:t>Hiệp</a:t>
+            </a:r>
+            <a:r>
+              <a:rPr lang="en-US" sz="1800" dirty="0">
+                <a:solidFill>
+                  <a:srgbClr val="FF0000"/>
+                </a:solidFill>
+                <a:latin typeface="Times New Roman" panose="02020603050405020304" pitchFamily="18" charset="0"/>
+                <a:cs typeface="Times New Roman" panose="02020603050405020304" pitchFamily="18" charset="0"/>
+              </a:rPr>
+              <a:t> </a:t>
+            </a:r>
+            <a:r>
+              <a:rPr lang="en-US" sz="1800" dirty="0" err="1">
+                <a:solidFill>
+                  <a:srgbClr val="FF0000"/>
+                </a:solidFill>
+                <a:latin typeface="Times New Roman" panose="02020603050405020304" pitchFamily="18" charset="0"/>
+                <a:cs typeface="Times New Roman" panose="02020603050405020304" pitchFamily="18" charset="0"/>
+              </a:rPr>
+              <a:t>Lễ</a:t>
+            </a:r>
+            <a:r>
+              <a:rPr lang="en-US" sz="1800" dirty="0">
+                <a:solidFill>
+                  <a:srgbClr val="FF0000"/>
+                </a:solidFill>
+                <a:latin typeface="Times New Roman" panose="02020603050405020304" pitchFamily="18" charset="0"/>
+                <a:cs typeface="Times New Roman" panose="02020603050405020304" pitchFamily="18" charset="0"/>
+              </a:rPr>
+              <a:t>                                   </a:t>
+            </a:r>
+            <a:r>
+              <a:rPr lang="en-US" sz="2400" b="1" dirty="0">
+                <a:solidFill>
+                  <a:srgbClr val="FF0000"/>
+                </a:solidFill>
+                <a:effectLst>
+                  <a:outerShdw blurRad="38100" dist="38100" dir="2700000" algn="tl">
+                    <a:srgbClr val="000000">
+                      <a:alpha val="43137"/>
+                    </a:srgbClr>
+                  </a:outerShdw>
+                </a:effectLst>
+                <a:latin typeface="Times New Roman" panose="02020603050405020304" pitchFamily="18" charset="0"/>
+                <a:cs typeface="Times New Roman" panose="02020603050405020304" pitchFamily="18" charset="0"/>
+              </a:rPr>
+              <a:t>TRI ÂN TÌNH CHÚA (NL)</a:t>
+            </a:r>
+            <a:endParaRPr lang="en-US" sz="2400" b="1" dirty="0">
+              <a:solidFill>
+                <a:srgbClr val="FF0000"/>
+              </a:solidFill>
+              <a:effectLst>
+                <a:outerShdw blurRad="38100" dist="38100" dir="2700000" algn="tl">
+                  <a:srgbClr val="000000">
+                    <a:alpha val="43137"/>
+                  </a:srgbClr>
+                </a:outerShdw>
+              </a:effectLst>
+            </a:endParaRPr>
+          </a:p>
+        </p:txBody>
+      </p:sp>
+      <p:sp>
+        <p:nvSpPr>
+          <p:cNvPr id="3" name="Subtitle 2"/>
+          <p:cNvSpPr>
+            <a:spLocks noGrp="1"/>
+          </p:cNvSpPr>
+          <p:nvPr>
+            <p:ph type="subTitle" idx="1"/>
+          </p:nvPr>
+        </p:nvSpPr>
+        <p:spPr>
+          <a:xfrm>
+            <a:off x="0" y="1295400"/>
+            <a:ext cx="9144000" cy="6391564"/>
+          </a:xfrm>
+        </p:spPr>
+        <p:txBody>
+          <a:bodyPr>
+            <a:noAutofit/>
+          </a:bodyPr>
+          <a:lstStyle/>
+          <a:p>
+            <a:pPr algn="just"/>
+            <a:r>
+              <a:rPr lang="vi-VN" sz="5400" b="1" dirty="0">
+                <a:latin typeface="+mj-lt"/>
+              </a:rPr>
+              <a:t>ĐK. Xin tri ân Chúa qua muôn thế hệ, xin tri ân Chúa qua muôn ngàn nơi, tình Ngài bao la trời đất từng ngày yêu thương dẫn dắt chúng con đi trên đời. </a:t>
+            </a:r>
+            <a:endParaRPr lang="vi-VN" sz="5400" b="1" dirty="0">
+              <a:solidFill>
+                <a:schemeClr val="tx1"/>
+              </a:solidFill>
+              <a:latin typeface="+mj-lt"/>
+              <a:cs typeface="Times New Roman" panose="02020603050405020304" pitchFamily="18" charset="0"/>
+            </a:endParaRPr>
+          </a:p>
+        </p:txBody>
+      </p:sp>
+    </p:spTree>
+    <p:extLst>
+      <p:ext uri="{BB962C8B-B14F-4D97-AF65-F5344CB8AC3E}">
+        <p14:creationId xmlns:p14="http://schemas.microsoft.com/office/powerpoint/2010/main" val="1586980280"/>
+      </p:ext>
+    </p:extLst>
+  </p:cSld>
+  <p:clrMapOvr>
+    <a:masterClrMapping/>
+  </p:clrMapOvr>
+  <p:transition/>
+  <p:timing>
+    <p:tnLst>
+      <p:par>
+        <p:cTn id="1" dur="indefinite" restart="never" nodeType="tmRoot"/>
+      </p:par>
+    </p:tnLst>
+  </p:timing>
+</p:sld>
+</file>
+
+<file path=ppt/slides/slide44.xml><?xml version="1.0" encoding="utf-8"?>
+<p:sld xmlns:a="http://schemas.openxmlformats.org/drawingml/2006/main" xmlns:r="http://schemas.openxmlformats.org/officeDocument/2006/relationships" xmlns:p="http://schemas.openxmlformats.org/presentationml/2006/main">
+  <p:cSld>
+    <p:spTree>
+      <p:nvGrpSpPr>
+        <p:cNvPr id="1" name=""/>
+        <p:cNvGrpSpPr/>
+        <p:nvPr/>
+      </p:nvGrpSpPr>
+      <p:grpSpPr>
+        <a:xfrm>
+          <a:off x="0" y="0"/>
+          <a:ext cx="0" cy="0"/>
+          <a:chOff x="0" y="0"/>
+          <a:chExt cx="0" cy="0"/>
+        </a:xfrm>
+      </p:grpSpPr>
+      <p:sp>
+        <p:nvSpPr>
+          <p:cNvPr id="2" name="Title 1"/>
+          <p:cNvSpPr>
+            <a:spLocks noGrp="1"/>
+          </p:cNvSpPr>
+          <p:nvPr>
+            <p:ph type="ctrTitle"/>
+          </p:nvPr>
+        </p:nvSpPr>
+        <p:spPr>
+          <a:xfrm>
+            <a:off x="0" y="13648"/>
+            <a:ext cx="9144000" cy="533400"/>
+          </a:xfrm>
+        </p:spPr>
+        <p:txBody>
+          <a:bodyPr>
+            <a:normAutofit/>
+          </a:bodyPr>
+          <a:lstStyle/>
+          <a:p>
+            <a:pPr algn="l"/>
+            <a:r>
+              <a:rPr lang="en-US" sz="1800" dirty="0" err="1">
+                <a:solidFill>
+                  <a:srgbClr val="FF0000"/>
+                </a:solidFill>
+                <a:latin typeface="Times New Roman" panose="02020603050405020304" pitchFamily="18" charset="0"/>
+                <a:cs typeface="Times New Roman" panose="02020603050405020304" pitchFamily="18" charset="0"/>
+              </a:rPr>
+              <a:t>Hiệp</a:t>
+            </a:r>
+            <a:r>
+              <a:rPr lang="en-US" sz="1800" dirty="0">
+                <a:solidFill>
+                  <a:srgbClr val="FF0000"/>
+                </a:solidFill>
+                <a:latin typeface="Times New Roman" panose="02020603050405020304" pitchFamily="18" charset="0"/>
+                <a:cs typeface="Times New Roman" panose="02020603050405020304" pitchFamily="18" charset="0"/>
+              </a:rPr>
+              <a:t> </a:t>
+            </a:r>
+            <a:r>
+              <a:rPr lang="en-US" sz="1800" dirty="0" err="1">
+                <a:solidFill>
+                  <a:srgbClr val="FF0000"/>
+                </a:solidFill>
+                <a:latin typeface="Times New Roman" panose="02020603050405020304" pitchFamily="18" charset="0"/>
+                <a:cs typeface="Times New Roman" panose="02020603050405020304" pitchFamily="18" charset="0"/>
+              </a:rPr>
+              <a:t>Lễ</a:t>
+            </a:r>
+            <a:r>
+              <a:rPr lang="en-US" sz="1800" dirty="0">
+                <a:solidFill>
+                  <a:srgbClr val="FF0000"/>
+                </a:solidFill>
+                <a:latin typeface="Times New Roman" panose="02020603050405020304" pitchFamily="18" charset="0"/>
+                <a:cs typeface="Times New Roman" panose="02020603050405020304" pitchFamily="18" charset="0"/>
+              </a:rPr>
+              <a:t>                                   </a:t>
+            </a:r>
+            <a:r>
+              <a:rPr lang="en-US" sz="2400" b="1" dirty="0">
+                <a:solidFill>
+                  <a:srgbClr val="FF0000"/>
+                </a:solidFill>
+                <a:effectLst>
+                  <a:outerShdw blurRad="38100" dist="38100" dir="2700000" algn="tl">
+                    <a:srgbClr val="000000">
+                      <a:alpha val="43137"/>
+                    </a:srgbClr>
+                  </a:outerShdw>
+                </a:effectLst>
+                <a:latin typeface="Times New Roman" panose="02020603050405020304" pitchFamily="18" charset="0"/>
+                <a:cs typeface="Times New Roman" panose="02020603050405020304" pitchFamily="18" charset="0"/>
+              </a:rPr>
+              <a:t>TRI ÂN TÌNH CHÚA (NL)</a:t>
+            </a:r>
+            <a:endParaRPr lang="en-US" sz="2400" b="1" dirty="0">
+              <a:solidFill>
+                <a:srgbClr val="FF0000"/>
+              </a:solidFill>
+              <a:effectLst>
+                <a:outerShdw blurRad="38100" dist="38100" dir="2700000" algn="tl">
+                  <a:srgbClr val="000000">
+                    <a:alpha val="43137"/>
+                  </a:srgbClr>
+                </a:outerShdw>
+              </a:effectLst>
+            </a:endParaRPr>
+          </a:p>
+        </p:txBody>
+      </p:sp>
+      <p:sp>
+        <p:nvSpPr>
+          <p:cNvPr id="3" name="Subtitle 2"/>
+          <p:cNvSpPr>
+            <a:spLocks noGrp="1"/>
+          </p:cNvSpPr>
+          <p:nvPr>
+            <p:ph type="subTitle" idx="1"/>
+          </p:nvPr>
+        </p:nvSpPr>
+        <p:spPr>
+          <a:xfrm>
+            <a:off x="0" y="1585926"/>
+            <a:ext cx="9144000" cy="5810513"/>
+          </a:xfrm>
+        </p:spPr>
+        <p:txBody>
+          <a:bodyPr>
+            <a:noAutofit/>
+          </a:bodyPr>
+          <a:lstStyle/>
+          <a:p>
+            <a:pPr algn="just"/>
+            <a:r>
+              <a:rPr lang="vi-VN" sz="5400" b="1" dirty="0">
+                <a:latin typeface="+mj-lt"/>
+              </a:rPr>
+              <a:t>Xin dâng ngàn tiếng ca, xin dâng lời cảm tạ nguyện một đời luôn sống đáp đền hồng ân.</a:t>
+            </a:r>
+            <a:endParaRPr lang="vi-VN" sz="5400" b="1" dirty="0">
+              <a:solidFill>
+                <a:schemeClr val="tx1"/>
+              </a:solidFill>
+              <a:latin typeface="+mj-lt"/>
+              <a:cs typeface="Times New Roman" panose="02020603050405020304" pitchFamily="18" charset="0"/>
+            </a:endParaRPr>
+          </a:p>
+        </p:txBody>
+      </p:sp>
+    </p:spTree>
+    <p:extLst>
+      <p:ext uri="{BB962C8B-B14F-4D97-AF65-F5344CB8AC3E}">
+        <p14:creationId xmlns:p14="http://schemas.microsoft.com/office/powerpoint/2010/main" val="3283106236"/>
+      </p:ext>
+    </p:extLst>
+  </p:cSld>
+  <p:clrMapOvr>
+    <a:masterClrMapping/>
+  </p:clrMapOvr>
+  <p:transition/>
+  <p:timing>
+    <p:tnLst>
+      <p:par>
+        <p:cTn id="1" dur="indefinite" restart="never" nodeType="tmRoot"/>
+      </p:par>
+    </p:tnLst>
+  </p:timing>
+</p:sld>
+</file>
+
+<file path=ppt/slides/slide45.xml><?xml version="1.0" encoding="utf-8"?>
+<p:sld xmlns:a="http://schemas.openxmlformats.org/drawingml/2006/main" xmlns:r="http://schemas.openxmlformats.org/officeDocument/2006/relationships" xmlns:p="http://schemas.openxmlformats.org/presentationml/2006/main">
+  <p:cSld>
+    <p:spTree>
+      <p:nvGrpSpPr>
+        <p:cNvPr id="1" name=""/>
+        <p:cNvGrpSpPr/>
+        <p:nvPr/>
+      </p:nvGrpSpPr>
+      <p:grpSpPr>
+        <a:xfrm>
+          <a:off x="0" y="0"/>
+          <a:ext cx="0" cy="0"/>
+          <a:chOff x="0" y="0"/>
+          <a:chExt cx="0" cy="0"/>
+        </a:xfrm>
+      </p:grpSpPr>
+      <p:sp>
+        <p:nvSpPr>
+          <p:cNvPr id="2" name="Title 1"/>
+          <p:cNvSpPr>
+            <a:spLocks noGrp="1"/>
+          </p:cNvSpPr>
+          <p:nvPr>
+            <p:ph type="ctrTitle"/>
+          </p:nvPr>
+        </p:nvSpPr>
+        <p:spPr>
+          <a:xfrm>
+            <a:off x="0" y="13648"/>
+            <a:ext cx="9144000" cy="533400"/>
+          </a:xfrm>
+        </p:spPr>
+        <p:txBody>
+          <a:bodyPr>
+            <a:normAutofit/>
+          </a:bodyPr>
+          <a:lstStyle/>
+          <a:p>
+            <a:pPr algn="l"/>
+            <a:r>
+              <a:rPr lang="en-US" sz="1800" dirty="0" err="1">
+                <a:solidFill>
+                  <a:srgbClr val="FF0000"/>
+                </a:solidFill>
+                <a:latin typeface="Times New Roman" panose="02020603050405020304" pitchFamily="18" charset="0"/>
+                <a:cs typeface="Times New Roman" panose="02020603050405020304" pitchFamily="18" charset="0"/>
+              </a:rPr>
+              <a:t>Kết</a:t>
+            </a:r>
+            <a:r>
+              <a:rPr lang="en-US" sz="1800" dirty="0">
+                <a:solidFill>
+                  <a:srgbClr val="FF0000"/>
+                </a:solidFill>
+                <a:latin typeface="Times New Roman" panose="02020603050405020304" pitchFamily="18" charset="0"/>
+                <a:cs typeface="Times New Roman" panose="02020603050405020304" pitchFamily="18" charset="0"/>
+              </a:rPr>
+              <a:t> </a:t>
+            </a:r>
+            <a:r>
+              <a:rPr lang="en-US" sz="1800" dirty="0" err="1">
+                <a:solidFill>
+                  <a:srgbClr val="FF0000"/>
+                </a:solidFill>
+                <a:latin typeface="Times New Roman" panose="02020603050405020304" pitchFamily="18" charset="0"/>
+                <a:cs typeface="Times New Roman" panose="02020603050405020304" pitchFamily="18" charset="0"/>
+              </a:rPr>
+              <a:t>Lễ</a:t>
+            </a:r>
+            <a:r>
+              <a:rPr lang="en-US" sz="1800" dirty="0">
+                <a:solidFill>
+                  <a:srgbClr val="FF0000"/>
+                </a:solidFill>
+                <a:latin typeface="Times New Roman" panose="02020603050405020304" pitchFamily="18" charset="0"/>
+                <a:cs typeface="Times New Roman" panose="02020603050405020304" pitchFamily="18" charset="0"/>
+              </a:rPr>
+              <a:t>                                   </a:t>
+            </a:r>
+            <a:r>
+              <a:rPr lang="en-US" sz="2400" b="1" dirty="0">
+                <a:solidFill>
+                  <a:srgbClr val="FF0000"/>
+                </a:solidFill>
+                <a:effectLst>
+                  <a:outerShdw blurRad="38100" dist="38100" dir="2700000" algn="tl">
+                    <a:srgbClr val="000000">
+                      <a:alpha val="43137"/>
+                    </a:srgbClr>
+                  </a:outerShdw>
+                </a:effectLst>
+                <a:latin typeface="Times New Roman" panose="02020603050405020304" pitchFamily="18" charset="0"/>
+                <a:cs typeface="Times New Roman" panose="02020603050405020304" pitchFamily="18" charset="0"/>
+              </a:rPr>
+              <a:t>MẸ VÔ NHIỄM 1 (TT)</a:t>
+            </a:r>
+            <a:endParaRPr lang="en-US" sz="2400" b="1" dirty="0">
+              <a:solidFill>
+                <a:srgbClr val="FF0000"/>
+              </a:solidFill>
+              <a:effectLst>
+                <a:outerShdw blurRad="38100" dist="38100" dir="2700000" algn="tl">
+                  <a:srgbClr val="000000">
+                    <a:alpha val="43137"/>
+                  </a:srgbClr>
+                </a:outerShdw>
+              </a:effectLst>
+            </a:endParaRPr>
+          </a:p>
+        </p:txBody>
+      </p:sp>
+      <p:sp>
+        <p:nvSpPr>
+          <p:cNvPr id="3" name="Subtitle 2"/>
+          <p:cNvSpPr>
+            <a:spLocks noGrp="1"/>
+          </p:cNvSpPr>
+          <p:nvPr>
+            <p:ph type="subTitle" idx="1"/>
+          </p:nvPr>
+        </p:nvSpPr>
+        <p:spPr>
+          <a:xfrm>
+            <a:off x="0" y="624286"/>
+            <a:ext cx="9144000" cy="7733792"/>
+          </a:xfrm>
+        </p:spPr>
+        <p:txBody>
+          <a:bodyPr>
+            <a:noAutofit/>
+          </a:bodyPr>
+          <a:lstStyle/>
+          <a:p>
+            <a:pPr algn="just"/>
+            <a:r>
+              <a:rPr lang="vi-VN" sz="5400" b="1" dirty="0">
+                <a:latin typeface="+mj-lt"/>
+              </a:rPr>
+              <a:t>ĐK. Lạy Mẹ Vô Nhiễm nguyên tội Đẹp như cánh hoa huệ giữa đời. Chẳng vương tì vết hay bợn nhơ Đẹp như câu kết muôn bài thơ. Hồn con chiêm ngắm nhan Mẹ xinh. Tiến dâng trái tim yêu hết tình</a:t>
+            </a:r>
+            <a:endParaRPr lang="vi-VN" sz="5400" b="1" dirty="0">
+              <a:solidFill>
+                <a:schemeClr val="tx1"/>
+              </a:solidFill>
+              <a:latin typeface="+mj-lt"/>
+              <a:cs typeface="Times New Roman" panose="02020603050405020304" pitchFamily="18" charset="0"/>
+            </a:endParaRPr>
+          </a:p>
+        </p:txBody>
+      </p:sp>
+    </p:spTree>
+    <p:extLst>
+      <p:ext uri="{BB962C8B-B14F-4D97-AF65-F5344CB8AC3E}">
+        <p14:creationId xmlns:p14="http://schemas.microsoft.com/office/powerpoint/2010/main" val="3527147328"/>
+      </p:ext>
+    </p:extLst>
+  </p:cSld>
+  <p:clrMapOvr>
+    <a:masterClrMapping/>
+  </p:clrMapOvr>
+  <p:transition/>
+  <p:timing>
+    <p:tnLst>
+      <p:par>
+        <p:cTn id="1" dur="indefinite" restart="never" nodeType="tmRoot"/>
+      </p:par>
+    </p:tnLst>
+  </p:timing>
+</p:sld>
+</file>
+
+<file path=ppt/slides/slide46.xml><?xml version="1.0" encoding="utf-8"?>
+<p:sld xmlns:a="http://schemas.openxmlformats.org/drawingml/2006/main" xmlns:r="http://schemas.openxmlformats.org/officeDocument/2006/relationships" xmlns:p="http://schemas.openxmlformats.org/presentationml/2006/main">
+  <p:cSld>
+    <p:spTree>
+      <p:nvGrpSpPr>
+        <p:cNvPr id="1" name=""/>
+        <p:cNvGrpSpPr/>
+        <p:nvPr/>
+      </p:nvGrpSpPr>
+      <p:grpSpPr>
+        <a:xfrm>
+          <a:off x="0" y="0"/>
+          <a:ext cx="0" cy="0"/>
+          <a:chOff x="0" y="0"/>
+          <a:chExt cx="0" cy="0"/>
+        </a:xfrm>
+      </p:grpSpPr>
+      <p:sp>
+        <p:nvSpPr>
+          <p:cNvPr id="2" name="Title 1"/>
+          <p:cNvSpPr>
+            <a:spLocks noGrp="1"/>
+          </p:cNvSpPr>
+          <p:nvPr>
+            <p:ph type="ctrTitle"/>
+          </p:nvPr>
+        </p:nvSpPr>
+        <p:spPr>
+          <a:xfrm>
+            <a:off x="0" y="13648"/>
+            <a:ext cx="9144000" cy="533400"/>
+          </a:xfrm>
+        </p:spPr>
+        <p:txBody>
+          <a:bodyPr>
+            <a:normAutofit/>
+          </a:bodyPr>
+          <a:lstStyle/>
+          <a:p>
+            <a:pPr algn="l"/>
+            <a:r>
+              <a:rPr lang="en-US" sz="1800" dirty="0" err="1">
+                <a:solidFill>
+                  <a:srgbClr val="FF0000"/>
+                </a:solidFill>
+                <a:latin typeface="Times New Roman" panose="02020603050405020304" pitchFamily="18" charset="0"/>
+                <a:cs typeface="Times New Roman" panose="02020603050405020304" pitchFamily="18" charset="0"/>
+              </a:rPr>
+              <a:t>Kết</a:t>
+            </a:r>
+            <a:r>
+              <a:rPr lang="en-US" sz="1800" dirty="0">
+                <a:solidFill>
+                  <a:srgbClr val="FF0000"/>
+                </a:solidFill>
+                <a:latin typeface="Times New Roman" panose="02020603050405020304" pitchFamily="18" charset="0"/>
+                <a:cs typeface="Times New Roman" panose="02020603050405020304" pitchFamily="18" charset="0"/>
+              </a:rPr>
+              <a:t> </a:t>
+            </a:r>
+            <a:r>
+              <a:rPr lang="en-US" sz="1800" dirty="0" err="1">
+                <a:solidFill>
+                  <a:srgbClr val="FF0000"/>
+                </a:solidFill>
+                <a:latin typeface="Times New Roman" panose="02020603050405020304" pitchFamily="18" charset="0"/>
+                <a:cs typeface="Times New Roman" panose="02020603050405020304" pitchFamily="18" charset="0"/>
+              </a:rPr>
+              <a:t>Lễ</a:t>
+            </a:r>
+            <a:r>
+              <a:rPr lang="en-US" sz="1800" dirty="0">
+                <a:solidFill>
+                  <a:srgbClr val="FF0000"/>
+                </a:solidFill>
+                <a:latin typeface="Times New Roman" panose="02020603050405020304" pitchFamily="18" charset="0"/>
+                <a:cs typeface="Times New Roman" panose="02020603050405020304" pitchFamily="18" charset="0"/>
+              </a:rPr>
+              <a:t>                                   </a:t>
+            </a:r>
+            <a:r>
+              <a:rPr lang="en-US" sz="2400" b="1" dirty="0">
+                <a:solidFill>
+                  <a:srgbClr val="FF0000"/>
+                </a:solidFill>
+                <a:effectLst>
+                  <a:outerShdw blurRad="38100" dist="38100" dir="2700000" algn="tl">
+                    <a:srgbClr val="000000">
+                      <a:alpha val="43137"/>
+                    </a:srgbClr>
+                  </a:outerShdw>
+                </a:effectLst>
+                <a:latin typeface="Times New Roman" panose="02020603050405020304" pitchFamily="18" charset="0"/>
+                <a:cs typeface="Times New Roman" panose="02020603050405020304" pitchFamily="18" charset="0"/>
+              </a:rPr>
+              <a:t>MẸ VÔ NHIỄM 1 (TT)</a:t>
+            </a:r>
+            <a:endParaRPr lang="en-US" sz="2400" b="1" dirty="0">
+              <a:solidFill>
+                <a:srgbClr val="FF0000"/>
+              </a:solidFill>
+              <a:effectLst>
+                <a:outerShdw blurRad="38100" dist="38100" dir="2700000" algn="tl">
+                  <a:srgbClr val="000000">
+                    <a:alpha val="43137"/>
+                  </a:srgbClr>
+                </a:outerShdw>
+              </a:effectLst>
+            </a:endParaRPr>
+          </a:p>
+        </p:txBody>
+      </p:sp>
+      <p:sp>
+        <p:nvSpPr>
+          <p:cNvPr id="3" name="Subtitle 2"/>
+          <p:cNvSpPr>
+            <a:spLocks noGrp="1"/>
+          </p:cNvSpPr>
+          <p:nvPr>
+            <p:ph type="subTitle" idx="1"/>
+          </p:nvPr>
+        </p:nvSpPr>
+        <p:spPr>
+          <a:xfrm>
+            <a:off x="0" y="975822"/>
+            <a:ext cx="9144000" cy="7030720"/>
+          </a:xfrm>
+        </p:spPr>
+        <p:txBody>
+          <a:bodyPr>
+            <a:noAutofit/>
+          </a:bodyPr>
+          <a:lstStyle/>
+          <a:p>
+            <a:pPr algn="just"/>
+            <a:r>
+              <a:rPr lang="vi-VN" sz="5400" b="1" dirty="0">
+                <a:latin typeface="+mj-lt"/>
+              </a:rPr>
+              <a:t>1. Xin cho con mỗi ngày thêm mến Mẹ. Xin cho con biết rời xa bến mê để sống thánh ân. để sống xứng danh với con Mẹ Chí nhân, để xứng đáng hơn, được Chúa đoái thương, suốt đời trung tín luôn</a:t>
+            </a:r>
+            <a:endParaRPr lang="vi-VN" sz="5400" b="1" dirty="0">
+              <a:solidFill>
+                <a:schemeClr val="tx1"/>
+              </a:solidFill>
+              <a:latin typeface="+mj-lt"/>
+              <a:cs typeface="Times New Roman" panose="02020603050405020304" pitchFamily="18" charset="0"/>
+            </a:endParaRPr>
+          </a:p>
+        </p:txBody>
+      </p:sp>
+    </p:spTree>
+    <p:extLst>
+      <p:ext uri="{BB962C8B-B14F-4D97-AF65-F5344CB8AC3E}">
+        <p14:creationId xmlns:p14="http://schemas.microsoft.com/office/powerpoint/2010/main" val="1022002123"/>
+      </p:ext>
+    </p:extLst>
+  </p:cSld>
+  <p:clrMapOvr>
+    <a:masterClrMapping/>
+  </p:clrMapOvr>
+  <p:transition/>
+  <p:timing>
+    <p:tnLst>
+      <p:par>
+        <p:cTn id="1" dur="indefinite" restart="never" nodeType="tmRoot"/>
+      </p:par>
+    </p:tnLst>
+  </p:timing>
+</p:sld>
+</file>
+
+<file path=ppt/slides/slide47.xml><?xml version="1.0" encoding="utf-8"?>
+<p:sld xmlns:a="http://schemas.openxmlformats.org/drawingml/2006/main" xmlns:r="http://schemas.openxmlformats.org/officeDocument/2006/relationships" xmlns:p="http://schemas.openxmlformats.org/presentationml/2006/main">
+  <p:cSld>
+    <p:spTree>
+      <p:nvGrpSpPr>
+        <p:cNvPr id="1" name=""/>
+        <p:cNvGrpSpPr/>
+        <p:nvPr/>
+      </p:nvGrpSpPr>
+      <p:grpSpPr>
+        <a:xfrm>
+          <a:off x="0" y="0"/>
+          <a:ext cx="0" cy="0"/>
+          <a:chOff x="0" y="0"/>
+          <a:chExt cx="0" cy="0"/>
+        </a:xfrm>
+      </p:grpSpPr>
+      <p:sp>
+        <p:nvSpPr>
+          <p:cNvPr id="2" name="Title 1"/>
+          <p:cNvSpPr>
+            <a:spLocks noGrp="1"/>
+          </p:cNvSpPr>
+          <p:nvPr>
+            <p:ph type="ctrTitle"/>
+          </p:nvPr>
+        </p:nvSpPr>
+        <p:spPr>
+          <a:xfrm>
+            <a:off x="0" y="13648"/>
+            <a:ext cx="9144000" cy="533400"/>
+          </a:xfrm>
+        </p:spPr>
+        <p:txBody>
+          <a:bodyPr>
+            <a:normAutofit/>
+          </a:bodyPr>
+          <a:lstStyle/>
+          <a:p>
+            <a:pPr algn="l"/>
+            <a:r>
+              <a:rPr lang="en-US" sz="1800" dirty="0" err="1">
+                <a:solidFill>
+                  <a:srgbClr val="FF0000"/>
+                </a:solidFill>
+                <a:latin typeface="Times New Roman" panose="02020603050405020304" pitchFamily="18" charset="0"/>
+                <a:cs typeface="Times New Roman" panose="02020603050405020304" pitchFamily="18" charset="0"/>
+              </a:rPr>
+              <a:t>Kết</a:t>
+            </a:r>
+            <a:r>
+              <a:rPr lang="en-US" sz="1800" dirty="0">
+                <a:solidFill>
+                  <a:srgbClr val="FF0000"/>
+                </a:solidFill>
+                <a:latin typeface="Times New Roman" panose="02020603050405020304" pitchFamily="18" charset="0"/>
+                <a:cs typeface="Times New Roman" panose="02020603050405020304" pitchFamily="18" charset="0"/>
+              </a:rPr>
+              <a:t> </a:t>
+            </a:r>
+            <a:r>
+              <a:rPr lang="en-US" sz="1800" dirty="0" err="1">
+                <a:solidFill>
+                  <a:srgbClr val="FF0000"/>
+                </a:solidFill>
+                <a:latin typeface="Times New Roman" panose="02020603050405020304" pitchFamily="18" charset="0"/>
+                <a:cs typeface="Times New Roman" panose="02020603050405020304" pitchFamily="18" charset="0"/>
+              </a:rPr>
+              <a:t>Lễ</a:t>
+            </a:r>
+            <a:r>
+              <a:rPr lang="en-US" sz="1800" dirty="0">
+                <a:solidFill>
+                  <a:srgbClr val="FF0000"/>
+                </a:solidFill>
+                <a:latin typeface="Times New Roman" panose="02020603050405020304" pitchFamily="18" charset="0"/>
+                <a:cs typeface="Times New Roman" panose="02020603050405020304" pitchFamily="18" charset="0"/>
+              </a:rPr>
+              <a:t>                                   </a:t>
+            </a:r>
+            <a:r>
+              <a:rPr lang="en-US" sz="2400" b="1" dirty="0">
+                <a:solidFill>
+                  <a:srgbClr val="FF0000"/>
+                </a:solidFill>
+                <a:effectLst>
+                  <a:outerShdw blurRad="38100" dist="38100" dir="2700000" algn="tl">
+                    <a:srgbClr val="000000">
+                      <a:alpha val="43137"/>
+                    </a:srgbClr>
+                  </a:outerShdw>
+                </a:effectLst>
+                <a:latin typeface="Times New Roman" panose="02020603050405020304" pitchFamily="18" charset="0"/>
+                <a:cs typeface="Times New Roman" panose="02020603050405020304" pitchFamily="18" charset="0"/>
+              </a:rPr>
+              <a:t>MẸ VÔ NHIỄM 1 (TT)</a:t>
+            </a:r>
+            <a:endParaRPr lang="en-US" sz="2400" b="1" dirty="0">
+              <a:solidFill>
+                <a:srgbClr val="FF0000"/>
+              </a:solidFill>
+              <a:effectLst>
+                <a:outerShdw blurRad="38100" dist="38100" dir="2700000" algn="tl">
+                  <a:srgbClr val="000000">
+                    <a:alpha val="43137"/>
+                  </a:srgbClr>
+                </a:outerShdw>
+              </a:effectLst>
+            </a:endParaRPr>
+          </a:p>
+        </p:txBody>
+      </p:sp>
+      <p:sp>
+        <p:nvSpPr>
+          <p:cNvPr id="3" name="Subtitle 2"/>
+          <p:cNvSpPr>
+            <a:spLocks noGrp="1"/>
+          </p:cNvSpPr>
+          <p:nvPr>
+            <p:ph type="subTitle" idx="1"/>
+          </p:nvPr>
+        </p:nvSpPr>
+        <p:spPr>
+          <a:xfrm>
+            <a:off x="0" y="624286"/>
+            <a:ext cx="9144000" cy="7733792"/>
+          </a:xfrm>
+        </p:spPr>
+        <p:txBody>
+          <a:bodyPr>
+            <a:noAutofit/>
+          </a:bodyPr>
+          <a:lstStyle/>
+          <a:p>
+            <a:pPr algn="just"/>
+            <a:r>
+              <a:rPr lang="vi-VN" sz="5400" b="1" dirty="0">
+                <a:latin typeface="+mj-lt"/>
+              </a:rPr>
+              <a:t>ĐK. Lạy Mẹ Vô Nhiễm nguyên tội Đẹp như cánh hoa huệ giữa đời. Chẳng vương tì vết hay bợn nhơ Đẹp như câu kết muôn bài thơ. Hồn con chiêm ngắm nhan Mẹ xinh. Tiến dâng trái tim yêu hết tình</a:t>
+            </a:r>
+            <a:endParaRPr lang="vi-VN" sz="5400" b="1" dirty="0">
+              <a:solidFill>
+                <a:schemeClr val="tx1"/>
+              </a:solidFill>
+              <a:latin typeface="+mj-lt"/>
+              <a:cs typeface="Times New Roman" panose="02020603050405020304" pitchFamily="18" charset="0"/>
+            </a:endParaRPr>
+          </a:p>
+        </p:txBody>
+      </p:sp>
+    </p:spTree>
+    <p:extLst>
+      <p:ext uri="{BB962C8B-B14F-4D97-AF65-F5344CB8AC3E}">
+        <p14:creationId xmlns:p14="http://schemas.microsoft.com/office/powerpoint/2010/main" val="2875402403"/>
+      </p:ext>
+    </p:extLst>
+  </p:cSld>
+  <p:clrMapOvr>
+    <a:masterClrMapping/>
+  </p:clrMapOvr>
+  <p:transition/>
+  <p:timing>
+    <p:tnLst>
+      <p:par>
+        <p:cTn id="1" dur="indefinite" restart="never" nodeType="tmRoot"/>
+      </p:par>
+    </p:tnLst>
+  </p:timing>
 </p:sld>
 </file>
 
@@ -8676,6 +11073,13 @@
     <a:masterClrMapping/>
   </p:clrMapOvr>
   <p:transition/>
+  <p:timing>
+    <p:tnLst>
+      <p:par>
+        <p:cTn id="1" dur="indefinite" restart="never" nodeType="tmRoot"/>
+      </p:par>
+    </p:tnLst>
+  </p:timing>
 </p:sld>
 </file>
 
@@ -8805,6 +11209,13 @@
     <a:masterClrMapping/>
   </p:clrMapOvr>
   <p:transition/>
+  <p:timing>
+    <p:tnLst>
+      <p:par>
+        <p:cTn id="1" dur="indefinite" restart="never" nodeType="tmRoot"/>
+      </p:par>
+    </p:tnLst>
+  </p:timing>
 </p:sld>
 </file>
 
@@ -8830,7 +11241,7 @@
           <p:cNvPr id="2" name="Title 1">
             <a:extLst>
               <a:ext uri="{FF2B5EF4-FFF2-40B4-BE49-F238E27FC236}">
-                <a16:creationId xmlns:a16="http://schemas.microsoft.com/office/drawing/2014/main" id="{E15707EB-D7C8-4315-861E-0C0D881BA228}"/>
+                <a16:creationId xmlns="" xmlns:a16="http://schemas.microsoft.com/office/drawing/2014/main" id="{E15707EB-D7C8-4315-861E-0C0D881BA228}"/>
               </a:ext>
             </a:extLst>
           </p:cNvPr>
@@ -8855,7 +11266,7 @@
           <p:cNvPr id="3" name="Content Placeholder 2">
             <a:extLst>
               <a:ext uri="{FF2B5EF4-FFF2-40B4-BE49-F238E27FC236}">
-                <a16:creationId xmlns:a16="http://schemas.microsoft.com/office/drawing/2014/main" id="{580A1A79-EAAF-4BC4-8937-5CA2ACF0C6C3}"/>
+                <a16:creationId xmlns="" xmlns:a16="http://schemas.microsoft.com/office/drawing/2014/main" id="{580A1A79-EAAF-4BC4-8937-5CA2ACF0C6C3}"/>
               </a:ext>
             </a:extLst>
           </p:cNvPr>
@@ -8885,6 +11296,13 @@
   <p:clrMapOvr>
     <a:masterClrMapping/>
   </p:clrMapOvr>
+  <p:timing>
+    <p:tnLst>
+      <p:par>
+        <p:cTn id="1" dur="indefinite" restart="never" nodeType="tmRoot"/>
+      </p:par>
+    </p:tnLst>
+  </p:timing>
 </p:sld>
 </file>
 
@@ -9044,6 +11462,13 @@
     <a:masterClrMapping/>
   </p:clrMapOvr>
   <p:transition/>
+  <p:timing>
+    <p:tnLst>
+      <p:par>
+        <p:cTn id="1" dur="indefinite" restart="never" nodeType="tmRoot"/>
+      </p:par>
+    </p:tnLst>
+  </p:timing>
 </p:sld>
 </file>
 
@@ -9203,6 +11628,13 @@
     <a:masterClrMapping/>
   </p:clrMapOvr>
   <p:transition/>
+  <p:timing>
+    <p:tnLst>
+      <p:par>
+        <p:cTn id="1" dur="indefinite" restart="never" nodeType="tmRoot"/>
+      </p:par>
+    </p:tnLst>
+  </p:timing>
 </p:sld>
 </file>
 
@@ -9211,7 +11643,7 @@
   <a:themeElements>
     <a:clrScheme name="Office Theme">
       <a:dk1>
-        <a:sysClr val="windowText" lastClr="000000"/>
+        <a:sysClr val="windowText" lastClr="1F1F1F"/>
       </a:dk1>
       <a:lt1>
         <a:sysClr val="window" lastClr="FFFFFF"/>
@@ -9461,7 +11893,7 @@
   <a:extraClrSchemeLst/>
   <a:extLst>
     <a:ext uri="{05A4C25C-085E-4340-85A3-A5531E510DB2}">
-      <thm15:themeFamily xmlns:thm15="http://schemas.microsoft.com/office/thememl/2012/main" name="Office Theme" id="{62F939B6-93AF-4DB8-9C6B-D6C7DFDC589F}" vid="{4A3C46E8-61CC-4603-A589-7422A47A8E4A}"/>
+      <thm15:themeFamily xmlns="" xmlns:thm15="http://schemas.microsoft.com/office/thememl/2012/main" name="Office Theme" id="{62F939B6-93AF-4DB8-9C6B-D6C7DFDC589F}" vid="{4A3C46E8-61CC-4603-A589-7422A47A8E4A}"/>
     </a:ext>
   </a:extLst>
 </a:theme>
@@ -9472,7 +11904,7 @@
   <a:themeElements>
     <a:clrScheme name="Office">
       <a:dk1>
-        <a:sysClr val="windowText" lastClr="000000"/>
+        <a:sysClr val="windowText" lastClr="1F1F1F"/>
       </a:dk1>
       <a:lt1>
         <a:sysClr val="window" lastClr="FFFFFF"/>
@@ -9722,7 +12154,7 @@
   <a:extraClrSchemeLst/>
   <a:extLst>
     <a:ext uri="{05A4C25C-085E-4340-85A3-A5531E510DB2}">
-      <thm15:themeFamily xmlns:thm15="http://schemas.microsoft.com/office/thememl/2012/main" name="Office Theme" id="{62F939B6-93AF-4DB8-9C6B-D6C7DFDC589F}" vid="{4A3C46E8-61CC-4603-A589-7422A47A8E4A}"/>
+      <thm15:themeFamily xmlns="" xmlns:thm15="http://schemas.microsoft.com/office/thememl/2012/main" name="Office Theme" id="{62F939B6-93AF-4DB8-9C6B-D6C7DFDC589F}" vid="{4A3C46E8-61CC-4603-A589-7422A47A8E4A}"/>
     </a:ext>
   </a:extLst>
 </a:theme>
